--- a/單元3.Dockerfile 解析.pptx
+++ b/單元3.Dockerfile 解析.pptx
@@ -5,57 +5,57 @@
     <p:sldMasterId id="2147483648" r:id="rId1"/>
   </p:sldMasterIdLst>
   <p:sldIdLst>
-    <p:sldId id="256" r:id="rId2"/>
-    <p:sldId id="271" r:id="rId3"/>
-    <p:sldId id="289" r:id="rId4"/>
-    <p:sldId id="257" r:id="rId5"/>
-    <p:sldId id="304" r:id="rId6"/>
-    <p:sldId id="258" r:id="rId7"/>
-    <p:sldId id="259" r:id="rId8"/>
-    <p:sldId id="260" r:id="rId9"/>
-    <p:sldId id="261" r:id="rId10"/>
-    <p:sldId id="262" r:id="rId11"/>
-    <p:sldId id="263" r:id="rId12"/>
-    <p:sldId id="339" r:id="rId13"/>
-    <p:sldId id="356" r:id="rId14"/>
-    <p:sldId id="264" r:id="rId15"/>
-    <p:sldId id="344" r:id="rId16"/>
-    <p:sldId id="265" r:id="rId17"/>
-    <p:sldId id="345" r:id="rId18"/>
-    <p:sldId id="266" r:id="rId19"/>
-    <p:sldId id="318" r:id="rId20"/>
-    <p:sldId id="341" r:id="rId21"/>
-    <p:sldId id="319" r:id="rId22"/>
-    <p:sldId id="343" r:id="rId23"/>
-    <p:sldId id="340" r:id="rId24"/>
-    <p:sldId id="320" r:id="rId25"/>
-    <p:sldId id="321" r:id="rId26"/>
-    <p:sldId id="322" r:id="rId27"/>
-    <p:sldId id="323" r:id="rId28"/>
-    <p:sldId id="324" r:id="rId29"/>
-    <p:sldId id="325" r:id="rId30"/>
-    <p:sldId id="326" r:id="rId31"/>
-    <p:sldId id="327" r:id="rId32"/>
-    <p:sldId id="328" r:id="rId33"/>
-    <p:sldId id="329" r:id="rId34"/>
-    <p:sldId id="346" r:id="rId35"/>
-    <p:sldId id="347" r:id="rId36"/>
-    <p:sldId id="348" r:id="rId37"/>
-    <p:sldId id="285" r:id="rId38"/>
-    <p:sldId id="269" r:id="rId39"/>
-    <p:sldId id="288" r:id="rId40"/>
-    <p:sldId id="334" r:id="rId41"/>
-    <p:sldId id="335" r:id="rId42"/>
-    <p:sldId id="336" r:id="rId43"/>
-    <p:sldId id="337" r:id="rId44"/>
-    <p:sldId id="338" r:id="rId45"/>
-    <p:sldId id="349" r:id="rId46"/>
-    <p:sldId id="350" r:id="rId47"/>
-    <p:sldId id="351" r:id="rId48"/>
-    <p:sldId id="352" r:id="rId49"/>
-    <p:sldId id="353" r:id="rId50"/>
-    <p:sldId id="354" r:id="rId51"/>
-    <p:sldId id="355" r:id="rId52"/>
+    <p:sldId id="256" r:id="rId3"/>
+    <p:sldId id="271" r:id="rId4"/>
+    <p:sldId id="289" r:id="rId5"/>
+    <p:sldId id="257" r:id="rId6"/>
+    <p:sldId id="304" r:id="rId7"/>
+    <p:sldId id="258" r:id="rId8"/>
+    <p:sldId id="259" r:id="rId9"/>
+    <p:sldId id="260" r:id="rId10"/>
+    <p:sldId id="261" r:id="rId11"/>
+    <p:sldId id="262" r:id="rId12"/>
+    <p:sldId id="263" r:id="rId13"/>
+    <p:sldId id="339" r:id="rId14"/>
+    <p:sldId id="356" r:id="rId15"/>
+    <p:sldId id="264" r:id="rId16"/>
+    <p:sldId id="344" r:id="rId17"/>
+    <p:sldId id="265" r:id="rId18"/>
+    <p:sldId id="345" r:id="rId19"/>
+    <p:sldId id="266" r:id="rId20"/>
+    <p:sldId id="318" r:id="rId21"/>
+    <p:sldId id="341" r:id="rId22"/>
+    <p:sldId id="319" r:id="rId23"/>
+    <p:sldId id="343" r:id="rId24"/>
+    <p:sldId id="340" r:id="rId25"/>
+    <p:sldId id="320" r:id="rId26"/>
+    <p:sldId id="321" r:id="rId27"/>
+    <p:sldId id="322" r:id="rId28"/>
+    <p:sldId id="323" r:id="rId29"/>
+    <p:sldId id="324" r:id="rId30"/>
+    <p:sldId id="325" r:id="rId31"/>
+    <p:sldId id="326" r:id="rId32"/>
+    <p:sldId id="327" r:id="rId33"/>
+    <p:sldId id="328" r:id="rId34"/>
+    <p:sldId id="329" r:id="rId35"/>
+    <p:sldId id="346" r:id="rId36"/>
+    <p:sldId id="347" r:id="rId37"/>
+    <p:sldId id="348" r:id="rId38"/>
+    <p:sldId id="285" r:id="rId39"/>
+    <p:sldId id="269" r:id="rId40"/>
+    <p:sldId id="288" r:id="rId41"/>
+    <p:sldId id="334" r:id="rId42"/>
+    <p:sldId id="335" r:id="rId43"/>
+    <p:sldId id="336" r:id="rId44"/>
+    <p:sldId id="337" r:id="rId45"/>
+    <p:sldId id="338" r:id="rId46"/>
+    <p:sldId id="349" r:id="rId47"/>
+    <p:sldId id="350" r:id="rId48"/>
+    <p:sldId id="351" r:id="rId49"/>
+    <p:sldId id="352" r:id="rId50"/>
+    <p:sldId id="353" r:id="rId51"/>
+    <p:sldId id="354" r:id="rId52"/>
+    <p:sldId id="355" r:id="rId53"/>
   </p:sldIdLst>
   <p:sldSz cx="12192000" cy="6858000"/>
   <p:notesSz cx="6858000" cy="9144000"/>
@@ -154,16 +154,11 @@
       </a:defRPr>
     </a:lvl9pPr>
   </p:defaultTextStyle>
-  <p:extLst>
-    <p:ext uri="{EFAFB233-063F-42B5-8137-9DF3F51BA10A}">
-      <p15:sldGuideLst xmlns:p15="http://schemas.microsoft.com/office/powerpoint/2012/main"/>
-    </p:ext>
-  </p:extLst>
 </p:presentation>
 </file>
 
 <file path=ppt/slideLayouts/slideLayout1.xml><?xml version="1.0" encoding="utf-8"?>
-<p:sldLayout xmlns:a="http://schemas.openxmlformats.org/drawingml/2006/main" xmlns:r="http://schemas.openxmlformats.org/officeDocument/2006/relationships" xmlns:p="http://schemas.openxmlformats.org/presentationml/2006/main" showMasterSp="0" type="title" preserve="1">
+<p:sldLayout xmlns:a="http://schemas.openxmlformats.org/drawingml/2006/main" xmlns:r="http://schemas.openxmlformats.org/officeDocument/2006/relationships" xmlns:p="http://schemas.openxmlformats.org/presentationml/2006/main" type="title" preserve="1" showMasterSp="0">
   <p:cSld name="標題投影片">
     <p:spTree>
       <p:nvGrpSpPr>
@@ -884,7 +879,6 @@
           <a:p>
             <a:fld id="{EA554410-BCA5-4688-A64B-1030A53A009A}" type="datetimeFigureOut">
               <a:rPr lang="zh-TW" altLang="en-US" smtClean="0"/>
-              <a:t>2025/11/21</a:t>
             </a:fld>
             <a:endParaRPr lang="zh-TW" altLang="en-US"/>
           </a:p>
@@ -926,7 +920,6 @@
           <a:p>
             <a:fld id="{6FF56861-E0CC-4444-9DE7-1A105DC76B41}" type="slidenum">
               <a:rPr lang="zh-TW" altLang="en-US" smtClean="0"/>
-              <a:t>‹#›</a:t>
             </a:fld>
             <a:endParaRPr lang="zh-TW" altLang="en-US"/>
           </a:p>
@@ -1110,6 +1103,7 @@
               <a:rPr lang="zh-TW" altLang="en-US"/>
               <a:t>按一下以編輯母片文字樣式</a:t>
             </a:r>
+            <a:endParaRPr lang="zh-TW" altLang="en-US"/>
           </a:p>
         </p:txBody>
       </p:sp>
@@ -1130,7 +1124,6 @@
           <a:p>
             <a:fld id="{EA554410-BCA5-4688-A64B-1030A53A009A}" type="datetimeFigureOut">
               <a:rPr lang="zh-TW" altLang="en-US" smtClean="0"/>
-              <a:t>2025/11/21</a:t>
             </a:fld>
             <a:endParaRPr lang="zh-TW" altLang="en-US"/>
           </a:p>
@@ -1172,7 +1165,6 @@
           <a:p>
             <a:fld id="{6FF56861-E0CC-4444-9DE7-1A105DC76B41}" type="slidenum">
               <a:rPr lang="zh-TW" altLang="en-US" smtClean="0"/>
-              <a:t>‹#›</a:t>
             </a:fld>
             <a:endParaRPr lang="zh-TW" altLang="en-US"/>
           </a:p>
@@ -1297,6 +1289,7 @@
               <a:rPr lang="zh-TW" altLang="en-US"/>
               <a:t>按一下以編輯母片文字樣式</a:t>
             </a:r>
+            <a:endParaRPr lang="zh-TW" altLang="en-US"/>
           </a:p>
         </p:txBody>
       </p:sp>
@@ -1419,6 +1412,7 @@
               <a:rPr lang="zh-TW" altLang="en-US"/>
               <a:t>按一下以編輯母片文字樣式</a:t>
             </a:r>
+            <a:endParaRPr lang="zh-TW" altLang="en-US"/>
           </a:p>
         </p:txBody>
       </p:sp>
@@ -1439,7 +1433,6 @@
           <a:p>
             <a:fld id="{EA554410-BCA5-4688-A64B-1030A53A009A}" type="datetimeFigureOut">
               <a:rPr lang="zh-TW" altLang="en-US" smtClean="0"/>
-              <a:t>2025/11/21</a:t>
             </a:fld>
             <a:endParaRPr lang="zh-TW" altLang="en-US"/>
           </a:p>
@@ -1481,7 +1474,6 @@
           <a:p>
             <a:fld id="{6FF56861-E0CC-4444-9DE7-1A105DC76B41}" type="slidenum">
               <a:rPr lang="zh-TW" altLang="en-US" smtClean="0"/>
-              <a:t>‹#›</a:t>
             </a:fld>
             <a:endParaRPr lang="zh-TW" altLang="en-US"/>
           </a:p>
@@ -1525,6 +1517,19 @@
               </a:rPr>
               <a:t>“</a:t>
             </a:r>
+            <a:endParaRPr lang="en-US" sz="8000" baseline="0" dirty="0">
+              <a:ln w="3175" cmpd="sng">
+                <a:noFill/>
+              </a:ln>
+              <a:solidFill>
+                <a:schemeClr val="accent1">
+                  <a:lumMod val="60000"/>
+                  <a:lumOff val="40000"/>
+                </a:schemeClr>
+              </a:solidFill>
+              <a:effectLst/>
+              <a:latin typeface="Arial" panose="020B0604020202020204"/>
+            </a:endParaRPr>
           </a:p>
         </p:txBody>
       </p:sp>
@@ -1755,6 +1760,7 @@
               <a:rPr lang="zh-TW" altLang="en-US"/>
               <a:t>按一下以編輯母片文字樣式</a:t>
             </a:r>
+            <a:endParaRPr lang="zh-TW" altLang="en-US"/>
           </a:p>
         </p:txBody>
       </p:sp>
@@ -1775,7 +1781,6 @@
           <a:p>
             <a:fld id="{EA554410-BCA5-4688-A64B-1030A53A009A}" type="datetimeFigureOut">
               <a:rPr lang="zh-TW" altLang="en-US" smtClean="0"/>
-              <a:t>2025/11/21</a:t>
             </a:fld>
             <a:endParaRPr lang="zh-TW" altLang="en-US"/>
           </a:p>
@@ -1817,7 +1822,6 @@
           <a:p>
             <a:fld id="{6FF56861-E0CC-4444-9DE7-1A105DC76B41}" type="slidenum">
               <a:rPr lang="zh-TW" altLang="en-US" smtClean="0"/>
-              <a:t>‹#›</a:t>
             </a:fld>
             <a:endParaRPr lang="zh-TW" altLang="en-US"/>
           </a:p>
@@ -1942,6 +1946,7 @@
               <a:rPr lang="zh-TW" altLang="en-US"/>
               <a:t>按一下以編輯母片文字樣式</a:t>
             </a:r>
+            <a:endParaRPr lang="zh-TW" altLang="en-US"/>
           </a:p>
         </p:txBody>
       </p:sp>
@@ -2064,6 +2069,7 @@
               <a:rPr lang="zh-TW" altLang="en-US"/>
               <a:t>按一下以編輯母片文字樣式</a:t>
             </a:r>
+            <a:endParaRPr lang="zh-TW" altLang="en-US"/>
           </a:p>
         </p:txBody>
       </p:sp>
@@ -2084,7 +2090,6 @@
           <a:p>
             <a:fld id="{EA554410-BCA5-4688-A64B-1030A53A009A}" type="datetimeFigureOut">
               <a:rPr lang="zh-TW" altLang="en-US" smtClean="0"/>
-              <a:t>2025/11/21</a:t>
             </a:fld>
             <a:endParaRPr lang="zh-TW" altLang="en-US"/>
           </a:p>
@@ -2126,7 +2131,6 @@
           <a:p>
             <a:fld id="{6FF56861-E0CC-4444-9DE7-1A105DC76B41}" type="slidenum">
               <a:rPr lang="zh-TW" altLang="en-US" smtClean="0"/>
-              <a:t>‹#›</a:t>
             </a:fld>
             <a:endParaRPr lang="zh-TW" altLang="en-US"/>
           </a:p>
@@ -2170,6 +2174,19 @@
               </a:rPr>
               <a:t>“</a:t>
             </a:r>
+            <a:endParaRPr lang="en-US" sz="8000" baseline="0" dirty="0">
+              <a:ln w="3175" cmpd="sng">
+                <a:noFill/>
+              </a:ln>
+              <a:solidFill>
+                <a:schemeClr val="accent1">
+                  <a:lumMod val="60000"/>
+                  <a:lumOff val="40000"/>
+                </a:schemeClr>
+              </a:solidFill>
+              <a:effectLst/>
+              <a:latin typeface="Arial" panose="020B0604020202020204"/>
+            </a:endParaRPr>
           </a:p>
         </p:txBody>
       </p:sp>
@@ -2211,6 +2228,19 @@
               </a:rPr>
               <a:t>”</a:t>
             </a:r>
+            <a:endParaRPr lang="en-US" sz="8000" baseline="0" dirty="0">
+              <a:ln w="3175" cmpd="sng">
+                <a:noFill/>
+              </a:ln>
+              <a:solidFill>
+                <a:schemeClr val="accent1">
+                  <a:lumMod val="60000"/>
+                  <a:lumOff val="40000"/>
+                </a:schemeClr>
+              </a:solidFill>
+              <a:effectLst/>
+              <a:latin typeface="Arial" panose="020B0604020202020204"/>
+            </a:endParaRPr>
           </a:p>
         </p:txBody>
       </p:sp>
@@ -2330,6 +2360,7 @@
               <a:rPr lang="zh-TW" altLang="en-US"/>
               <a:t>按一下以編輯母片文字樣式</a:t>
             </a:r>
+            <a:endParaRPr lang="zh-TW" altLang="en-US"/>
           </a:p>
         </p:txBody>
       </p:sp>
@@ -2452,6 +2483,7 @@
               <a:rPr lang="zh-TW" altLang="en-US"/>
               <a:t>按一下以編輯母片文字樣式</a:t>
             </a:r>
+            <a:endParaRPr lang="zh-TW" altLang="en-US"/>
           </a:p>
         </p:txBody>
       </p:sp>
@@ -2472,7 +2504,6 @@
           <a:p>
             <a:fld id="{EA554410-BCA5-4688-A64B-1030A53A009A}" type="datetimeFigureOut">
               <a:rPr lang="zh-TW" altLang="en-US" smtClean="0"/>
-              <a:t>2025/11/21</a:t>
             </a:fld>
             <a:endParaRPr lang="zh-TW" altLang="en-US"/>
           </a:p>
@@ -2514,7 +2545,6 @@
           <a:p>
             <a:fld id="{6FF56861-E0CC-4444-9DE7-1A105DC76B41}" type="slidenum">
               <a:rPr lang="zh-TW" altLang="en-US" smtClean="0"/>
-              <a:t>‹#›</a:t>
             </a:fld>
             <a:endParaRPr lang="zh-TW" altLang="en-US"/>
           </a:p>
@@ -2588,6 +2618,7 @@
               <a:rPr lang="zh-TW" altLang="en-US"/>
               <a:t>按一下以編輯母片文字樣式</a:t>
             </a:r>
+            <a:endParaRPr lang="zh-TW" altLang="en-US"/>
           </a:p>
           <a:p>
             <a:pPr lvl="1"/>
@@ -2595,6 +2626,7 @@
               <a:rPr lang="zh-TW" altLang="en-US"/>
               <a:t>第二層</a:t>
             </a:r>
+            <a:endParaRPr lang="zh-TW" altLang="en-US"/>
           </a:p>
           <a:p>
             <a:pPr lvl="2"/>
@@ -2602,6 +2634,7 @@
               <a:rPr lang="zh-TW" altLang="en-US"/>
               <a:t>第三層</a:t>
             </a:r>
+            <a:endParaRPr lang="zh-TW" altLang="en-US"/>
           </a:p>
           <a:p>
             <a:pPr lvl="3"/>
@@ -2609,6 +2642,7 @@
               <a:rPr lang="zh-TW" altLang="en-US"/>
               <a:t>第四層</a:t>
             </a:r>
+            <a:endParaRPr lang="zh-TW" altLang="en-US"/>
           </a:p>
           <a:p>
             <a:pPr lvl="4"/>
@@ -2637,7 +2671,6 @@
           <a:p>
             <a:fld id="{EA554410-BCA5-4688-A64B-1030A53A009A}" type="datetimeFigureOut">
               <a:rPr lang="zh-TW" altLang="en-US" smtClean="0"/>
-              <a:t>2025/11/21</a:t>
             </a:fld>
             <a:endParaRPr lang="zh-TW" altLang="en-US"/>
           </a:p>
@@ -2679,7 +2712,6 @@
           <a:p>
             <a:fld id="{6FF56861-E0CC-4444-9DE7-1A105DC76B41}" type="slidenum">
               <a:rPr lang="zh-TW" altLang="en-US" smtClean="0"/>
-              <a:t>‹#›</a:t>
             </a:fld>
             <a:endParaRPr lang="zh-TW" altLang="en-US"/>
           </a:p>
@@ -2763,6 +2795,7 @@
               <a:rPr lang="zh-TW" altLang="en-US"/>
               <a:t>按一下以編輯母片文字樣式</a:t>
             </a:r>
+            <a:endParaRPr lang="zh-TW" altLang="en-US"/>
           </a:p>
           <a:p>
             <a:pPr lvl="1"/>
@@ -2770,6 +2803,7 @@
               <a:rPr lang="zh-TW" altLang="en-US"/>
               <a:t>第二層</a:t>
             </a:r>
+            <a:endParaRPr lang="zh-TW" altLang="en-US"/>
           </a:p>
           <a:p>
             <a:pPr lvl="2"/>
@@ -2777,6 +2811,7 @@
               <a:rPr lang="zh-TW" altLang="en-US"/>
               <a:t>第三層</a:t>
             </a:r>
+            <a:endParaRPr lang="zh-TW" altLang="en-US"/>
           </a:p>
           <a:p>
             <a:pPr lvl="3"/>
@@ -2784,6 +2819,7 @@
               <a:rPr lang="zh-TW" altLang="en-US"/>
               <a:t>第四層</a:t>
             </a:r>
+            <a:endParaRPr lang="zh-TW" altLang="en-US"/>
           </a:p>
           <a:p>
             <a:pPr lvl="4"/>
@@ -2812,7 +2848,6 @@
           <a:p>
             <a:fld id="{EA554410-BCA5-4688-A64B-1030A53A009A}" type="datetimeFigureOut">
               <a:rPr lang="zh-TW" altLang="en-US" smtClean="0"/>
-              <a:t>2025/11/21</a:t>
             </a:fld>
             <a:endParaRPr lang="zh-TW" altLang="en-US"/>
           </a:p>
@@ -2854,7 +2889,6 @@
           <a:p>
             <a:fld id="{6FF56861-E0CC-4444-9DE7-1A105DC76B41}" type="slidenum">
               <a:rPr lang="zh-TW" altLang="en-US" smtClean="0"/>
-              <a:t>‹#›</a:t>
             </a:fld>
             <a:endParaRPr lang="zh-TW" altLang="en-US"/>
           </a:p>
@@ -2934,6 +2968,7 @@
               <a:rPr lang="zh-TW" altLang="en-US"/>
               <a:t>按一下以編輯母片文字樣式</a:t>
             </a:r>
+            <a:endParaRPr lang="zh-TW" altLang="en-US"/>
           </a:p>
           <a:p>
             <a:pPr lvl="1"/>
@@ -2941,6 +2976,7 @@
               <a:rPr lang="zh-TW" altLang="en-US"/>
               <a:t>第二層</a:t>
             </a:r>
+            <a:endParaRPr lang="zh-TW" altLang="en-US"/>
           </a:p>
           <a:p>
             <a:pPr lvl="2"/>
@@ -2948,6 +2984,7 @@
               <a:rPr lang="zh-TW" altLang="en-US"/>
               <a:t>第三層</a:t>
             </a:r>
+            <a:endParaRPr lang="zh-TW" altLang="en-US"/>
           </a:p>
           <a:p>
             <a:pPr lvl="3"/>
@@ -2955,6 +2992,7 @@
               <a:rPr lang="zh-TW" altLang="en-US"/>
               <a:t>第四層</a:t>
             </a:r>
+            <a:endParaRPr lang="zh-TW" altLang="en-US"/>
           </a:p>
           <a:p>
             <a:pPr lvl="4"/>
@@ -2983,7 +3021,6 @@
           <a:p>
             <a:fld id="{EA554410-BCA5-4688-A64B-1030A53A009A}" type="datetimeFigureOut">
               <a:rPr lang="zh-TW" altLang="en-US" smtClean="0"/>
-              <a:t>2025/11/21</a:t>
             </a:fld>
             <a:endParaRPr lang="zh-TW" altLang="en-US"/>
           </a:p>
@@ -3025,7 +3062,6 @@
           <a:p>
             <a:fld id="{6FF56861-E0CC-4444-9DE7-1A105DC76B41}" type="slidenum">
               <a:rPr lang="zh-TW" altLang="en-US" smtClean="0"/>
-              <a:t>‹#›</a:t>
             </a:fld>
             <a:endParaRPr lang="zh-TW" altLang="en-US"/>
           </a:p>
@@ -3205,6 +3241,7 @@
               <a:rPr lang="zh-TW" altLang="en-US"/>
               <a:t>按一下以編輯母片文字樣式</a:t>
             </a:r>
+            <a:endParaRPr lang="zh-TW" altLang="en-US"/>
           </a:p>
         </p:txBody>
       </p:sp>
@@ -3225,7 +3262,6 @@
           <a:p>
             <a:fld id="{EA554410-BCA5-4688-A64B-1030A53A009A}" type="datetimeFigureOut">
               <a:rPr lang="zh-TW" altLang="en-US" smtClean="0"/>
-              <a:t>2025/11/21</a:t>
             </a:fld>
             <a:endParaRPr lang="zh-TW" altLang="en-US"/>
           </a:p>
@@ -3267,7 +3303,6 @@
           <a:p>
             <a:fld id="{6FF56861-E0CC-4444-9DE7-1A105DC76B41}" type="slidenum">
               <a:rPr lang="zh-TW" altLang="en-US" smtClean="0"/>
-              <a:t>‹#›</a:t>
             </a:fld>
             <a:endParaRPr lang="zh-TW" altLang="en-US"/>
           </a:p>
@@ -3346,6 +3381,7 @@
               <a:rPr lang="zh-TW" altLang="en-US"/>
               <a:t>按一下以編輯母片文字樣式</a:t>
             </a:r>
+            <a:endParaRPr lang="zh-TW" altLang="en-US"/>
           </a:p>
           <a:p>
             <a:pPr lvl="1"/>
@@ -3353,6 +3389,7 @@
               <a:rPr lang="zh-TW" altLang="en-US"/>
               <a:t>第二層</a:t>
             </a:r>
+            <a:endParaRPr lang="zh-TW" altLang="en-US"/>
           </a:p>
           <a:p>
             <a:pPr lvl="2"/>
@@ -3360,6 +3397,7 @@
               <a:rPr lang="zh-TW" altLang="en-US"/>
               <a:t>第三層</a:t>
             </a:r>
+            <a:endParaRPr lang="zh-TW" altLang="en-US"/>
           </a:p>
           <a:p>
             <a:pPr lvl="3"/>
@@ -3367,6 +3405,7 @@
               <a:rPr lang="zh-TW" altLang="en-US"/>
               <a:t>第四層</a:t>
             </a:r>
+            <a:endParaRPr lang="zh-TW" altLang="en-US"/>
           </a:p>
           <a:p>
             <a:pPr lvl="4"/>
@@ -3403,6 +3442,7 @@
               <a:rPr lang="zh-TW" altLang="en-US"/>
               <a:t>按一下以編輯母片文字樣式</a:t>
             </a:r>
+            <a:endParaRPr lang="zh-TW" altLang="en-US"/>
           </a:p>
           <a:p>
             <a:pPr lvl="1"/>
@@ -3410,6 +3450,7 @@
               <a:rPr lang="zh-TW" altLang="en-US"/>
               <a:t>第二層</a:t>
             </a:r>
+            <a:endParaRPr lang="zh-TW" altLang="en-US"/>
           </a:p>
           <a:p>
             <a:pPr lvl="2"/>
@@ -3417,6 +3458,7 @@
               <a:rPr lang="zh-TW" altLang="en-US"/>
               <a:t>第三層</a:t>
             </a:r>
+            <a:endParaRPr lang="zh-TW" altLang="en-US"/>
           </a:p>
           <a:p>
             <a:pPr lvl="3"/>
@@ -3424,6 +3466,7 @@
               <a:rPr lang="zh-TW" altLang="en-US"/>
               <a:t>第四層</a:t>
             </a:r>
+            <a:endParaRPr lang="zh-TW" altLang="en-US"/>
           </a:p>
           <a:p>
             <a:pPr lvl="4"/>
@@ -3452,7 +3495,6 @@
           <a:p>
             <a:fld id="{EA554410-BCA5-4688-A64B-1030A53A009A}" type="datetimeFigureOut">
               <a:rPr lang="zh-TW" altLang="en-US" smtClean="0"/>
-              <a:t>2025/11/21</a:t>
             </a:fld>
             <a:endParaRPr lang="zh-TW" altLang="en-US"/>
           </a:p>
@@ -3494,7 +3536,6 @@
           <a:p>
             <a:fld id="{6FF56861-E0CC-4444-9DE7-1A105DC76B41}" type="slidenum">
               <a:rPr lang="zh-TW" altLang="en-US" smtClean="0"/>
-              <a:t>‹#›</a:t>
             </a:fld>
             <a:endParaRPr lang="zh-TW" altLang="en-US"/>
           </a:p>
@@ -3616,6 +3657,7 @@
               <a:rPr lang="zh-TW" altLang="en-US"/>
               <a:t>按一下以編輯母片文字樣式</a:t>
             </a:r>
+            <a:endParaRPr lang="zh-TW" altLang="en-US"/>
           </a:p>
         </p:txBody>
       </p:sp>
@@ -3646,6 +3688,7 @@
               <a:rPr lang="zh-TW" altLang="en-US"/>
               <a:t>按一下以編輯母片文字樣式</a:t>
             </a:r>
+            <a:endParaRPr lang="zh-TW" altLang="en-US"/>
           </a:p>
           <a:p>
             <a:pPr lvl="1"/>
@@ -3653,6 +3696,7 @@
               <a:rPr lang="zh-TW" altLang="en-US"/>
               <a:t>第二層</a:t>
             </a:r>
+            <a:endParaRPr lang="zh-TW" altLang="en-US"/>
           </a:p>
           <a:p>
             <a:pPr lvl="2"/>
@@ -3660,6 +3704,7 @@
               <a:rPr lang="zh-TW" altLang="en-US"/>
               <a:t>第三層</a:t>
             </a:r>
+            <a:endParaRPr lang="zh-TW" altLang="en-US"/>
           </a:p>
           <a:p>
             <a:pPr lvl="3"/>
@@ -3667,6 +3712,7 @@
               <a:rPr lang="zh-TW" altLang="en-US"/>
               <a:t>第四層</a:t>
             </a:r>
+            <a:endParaRPr lang="zh-TW" altLang="en-US"/>
           </a:p>
           <a:p>
             <a:pPr lvl="4"/>
@@ -3742,6 +3788,7 @@
               <a:rPr lang="zh-TW" altLang="en-US"/>
               <a:t>按一下以編輯母片文字樣式</a:t>
             </a:r>
+            <a:endParaRPr lang="zh-TW" altLang="en-US"/>
           </a:p>
         </p:txBody>
       </p:sp>
@@ -3772,6 +3819,7 @@
               <a:rPr lang="zh-TW" altLang="en-US"/>
               <a:t>按一下以編輯母片文字樣式</a:t>
             </a:r>
+            <a:endParaRPr lang="zh-TW" altLang="en-US"/>
           </a:p>
           <a:p>
             <a:pPr lvl="1"/>
@@ -3779,6 +3827,7 @@
               <a:rPr lang="zh-TW" altLang="en-US"/>
               <a:t>第二層</a:t>
             </a:r>
+            <a:endParaRPr lang="zh-TW" altLang="en-US"/>
           </a:p>
           <a:p>
             <a:pPr lvl="2"/>
@@ -3786,6 +3835,7 @@
               <a:rPr lang="zh-TW" altLang="en-US"/>
               <a:t>第三層</a:t>
             </a:r>
+            <a:endParaRPr lang="zh-TW" altLang="en-US"/>
           </a:p>
           <a:p>
             <a:pPr lvl="3"/>
@@ -3793,6 +3843,7 @@
               <a:rPr lang="zh-TW" altLang="en-US"/>
               <a:t>第四層</a:t>
             </a:r>
+            <a:endParaRPr lang="zh-TW" altLang="en-US"/>
           </a:p>
           <a:p>
             <a:pPr lvl="4"/>
@@ -3821,7 +3872,6 @@
           <a:p>
             <a:fld id="{EA554410-BCA5-4688-A64B-1030A53A009A}" type="datetimeFigureOut">
               <a:rPr lang="zh-TW" altLang="en-US" smtClean="0"/>
-              <a:t>2025/11/21</a:t>
             </a:fld>
             <a:endParaRPr lang="zh-TW" altLang="en-US"/>
           </a:p>
@@ -3863,7 +3913,6 @@
           <a:p>
             <a:fld id="{6FF56861-E0CC-4444-9DE7-1A105DC76B41}" type="slidenum">
               <a:rPr lang="zh-TW" altLang="en-US" smtClean="0"/>
-              <a:t>‹#›</a:t>
             </a:fld>
             <a:endParaRPr lang="zh-TW" altLang="en-US"/>
           </a:p>
@@ -3939,7 +3988,6 @@
           <a:p>
             <a:fld id="{EA554410-BCA5-4688-A64B-1030A53A009A}" type="datetimeFigureOut">
               <a:rPr lang="zh-TW" altLang="en-US" smtClean="0"/>
-              <a:t>2025/11/21</a:t>
             </a:fld>
             <a:endParaRPr lang="zh-TW" altLang="en-US"/>
           </a:p>
@@ -3981,7 +4029,6 @@
           <a:p>
             <a:fld id="{6FF56861-E0CC-4444-9DE7-1A105DC76B41}" type="slidenum">
               <a:rPr lang="zh-TW" altLang="en-US" smtClean="0"/>
-              <a:t>‹#›</a:t>
             </a:fld>
             <a:endParaRPr lang="zh-TW" altLang="en-US"/>
           </a:p>
@@ -4029,7 +4076,6 @@
           <a:p>
             <a:fld id="{EA554410-BCA5-4688-A64B-1030A53A009A}" type="datetimeFigureOut">
               <a:rPr lang="zh-TW" altLang="en-US" smtClean="0"/>
-              <a:t>2025/11/21</a:t>
             </a:fld>
             <a:endParaRPr lang="zh-TW" altLang="en-US"/>
           </a:p>
@@ -4071,7 +4117,6 @@
           <a:p>
             <a:fld id="{6FF56861-E0CC-4444-9DE7-1A105DC76B41}" type="slidenum">
               <a:rPr lang="zh-TW" altLang="en-US" smtClean="0"/>
-              <a:t>‹#›</a:t>
             </a:fld>
             <a:endParaRPr lang="zh-TW" altLang="en-US"/>
           </a:p>
@@ -4163,6 +4208,7 @@
               <a:rPr lang="zh-TW" altLang="en-US"/>
               <a:t>按一下以編輯母片文字樣式</a:t>
             </a:r>
+            <a:endParaRPr lang="zh-TW" altLang="en-US"/>
           </a:p>
           <a:p>
             <a:pPr lvl="1"/>
@@ -4170,6 +4216,7 @@
               <a:rPr lang="zh-TW" altLang="en-US"/>
               <a:t>第二層</a:t>
             </a:r>
+            <a:endParaRPr lang="zh-TW" altLang="en-US"/>
           </a:p>
           <a:p>
             <a:pPr lvl="2"/>
@@ -4177,6 +4224,7 @@
               <a:rPr lang="zh-TW" altLang="en-US"/>
               <a:t>第三層</a:t>
             </a:r>
+            <a:endParaRPr lang="zh-TW" altLang="en-US"/>
           </a:p>
           <a:p>
             <a:pPr lvl="3"/>
@@ -4184,6 +4232,7 @@
               <a:rPr lang="zh-TW" altLang="en-US"/>
               <a:t>第四層</a:t>
             </a:r>
+            <a:endParaRPr lang="zh-TW" altLang="en-US"/>
           </a:p>
           <a:p>
             <a:pPr lvl="4"/>
@@ -4259,6 +4308,7 @@
               <a:rPr lang="zh-TW" altLang="en-US"/>
               <a:t>按一下以編輯母片文字樣式</a:t>
             </a:r>
+            <a:endParaRPr lang="zh-TW" altLang="en-US"/>
           </a:p>
         </p:txBody>
       </p:sp>
@@ -4279,7 +4329,6 @@
           <a:p>
             <a:fld id="{EA554410-BCA5-4688-A64B-1030A53A009A}" type="datetimeFigureOut">
               <a:rPr lang="zh-TW" altLang="en-US" smtClean="0"/>
-              <a:t>2025/11/21</a:t>
             </a:fld>
             <a:endParaRPr lang="zh-TW" altLang="en-US"/>
           </a:p>
@@ -4321,7 +4370,6 @@
           <a:p>
             <a:fld id="{6FF56861-E0CC-4444-9DE7-1A105DC76B41}" type="slidenum">
               <a:rPr lang="zh-TW" altLang="en-US" smtClean="0"/>
-              <a:t>‹#›</a:t>
             </a:fld>
             <a:endParaRPr lang="zh-TW" altLang="en-US"/>
           </a:p>
@@ -4517,6 +4565,7 @@
               <a:rPr lang="zh-TW" altLang="en-US"/>
               <a:t>按一下以編輯母片文字樣式</a:t>
             </a:r>
+            <a:endParaRPr lang="zh-TW" altLang="en-US"/>
           </a:p>
         </p:txBody>
       </p:sp>
@@ -4537,7 +4586,6 @@
           <a:p>
             <a:fld id="{EA554410-BCA5-4688-A64B-1030A53A009A}" type="datetimeFigureOut">
               <a:rPr lang="zh-TW" altLang="en-US" smtClean="0"/>
-              <a:t>2025/11/21</a:t>
             </a:fld>
             <a:endParaRPr lang="zh-TW" altLang="en-US"/>
           </a:p>
@@ -4579,7 +4627,6 @@
           <a:p>
             <a:fld id="{6FF56861-E0CC-4444-9DE7-1A105DC76B41}" type="slidenum">
               <a:rPr lang="zh-TW" altLang="en-US" smtClean="0"/>
-              <a:t>‹#›</a:t>
             </a:fld>
             <a:endParaRPr lang="zh-TW" altLang="en-US"/>
           </a:p>
@@ -5208,6 +5255,7 @@
               <a:rPr lang="zh-TW" altLang="en-US"/>
               <a:t>按一下以編輯母片文字樣式</a:t>
             </a:r>
+            <a:endParaRPr lang="zh-TW" altLang="en-US"/>
           </a:p>
           <a:p>
             <a:pPr lvl="1"/>
@@ -5215,6 +5263,7 @@
               <a:rPr lang="zh-TW" altLang="en-US"/>
               <a:t>第二層</a:t>
             </a:r>
+            <a:endParaRPr lang="zh-TW" altLang="en-US"/>
           </a:p>
           <a:p>
             <a:pPr lvl="2"/>
@@ -5222,6 +5271,7 @@
               <a:rPr lang="zh-TW" altLang="en-US"/>
               <a:t>第三層</a:t>
             </a:r>
+            <a:endParaRPr lang="zh-TW" altLang="en-US"/>
           </a:p>
           <a:p>
             <a:pPr lvl="3"/>
@@ -5229,6 +5279,7 @@
               <a:rPr lang="zh-TW" altLang="en-US"/>
               <a:t>第四層</a:t>
             </a:r>
+            <a:endParaRPr lang="zh-TW" altLang="en-US"/>
           </a:p>
           <a:p>
             <a:pPr lvl="4"/>
@@ -5275,7 +5326,6 @@
           <a:p>
             <a:fld id="{EA554410-BCA5-4688-A64B-1030A53A009A}" type="datetimeFigureOut">
               <a:rPr lang="zh-TW" altLang="en-US" smtClean="0"/>
-              <a:t>2025/11/21</a:t>
             </a:fld>
             <a:endParaRPr lang="zh-TW" altLang="en-US"/>
           </a:p>
@@ -5351,7 +5401,6 @@
           <a:p>
             <a:fld id="{6FF56861-E0CC-4444-9DE7-1A105DC76B41}" type="slidenum">
               <a:rPr lang="zh-TW" altLang="en-US" smtClean="0"/>
-              <a:t>‹#›</a:t>
             </a:fld>
             <a:endParaRPr lang="zh-TW" altLang="en-US"/>
           </a:p>
@@ -5956,6 +6005,7 @@
               <a:rPr sz="2800"/>
               <a:t>COPY 和 ADD 指令的比較</a:t>
             </a:r>
+            <a:endParaRPr sz="2800"/>
           </a:p>
         </p:txBody>
       </p:sp>
@@ -5999,6 +6049,7 @@
               <a:rPr dirty="0"/>
               <a:t>。</a:t>
             </a:r>
+            <a:endParaRPr dirty="0"/>
           </a:p>
           <a:p>
             <a:pPr algn="l"/>
@@ -6042,6 +6093,7 @@
               <a:rPr dirty="0"/>
               <a:t>。</a:t>
             </a:r>
+            <a:endParaRPr dirty="0"/>
           </a:p>
           <a:p>
             <a:pPr algn="l"/>
@@ -6069,6 +6121,7 @@
               <a:rPr dirty="0"/>
               <a:t>。</a:t>
             </a:r>
+            <a:endParaRPr dirty="0"/>
           </a:p>
           <a:p>
             <a:pPr algn="l"/>
@@ -6309,12 +6362,6 @@
               </a:rPr>
               <a:t>(8)</a:t>
             </a:r>
-            <a:r>
-              <a:rPr lang="en-US" altLang="zh-TW" dirty="0">
-                <a:sym typeface="+mn-ea"/>
-              </a:rPr>
-              <a:t/>
-            </a:r>
             <a:br>
               <a:rPr lang="en-US" altLang="zh-TW" dirty="0">
                 <a:sym typeface="+mn-ea"/>
@@ -6382,6 +6429,7 @@
               <a:rPr lang="en-US" altLang="zh-TW" dirty="0" smtClean="0"/>
               <a:t>(image)</a:t>
             </a:r>
+            <a:endParaRPr lang="en-US" altLang="zh-TW" dirty="0" smtClean="0"/>
           </a:p>
           <a:p>
             <a:r>
@@ -6412,6 +6460,7 @@
               <a:rPr lang="en-US" altLang="zh-TW" dirty="0" smtClean="0"/>
               <a:t>)</a:t>
             </a:r>
+            <a:endParaRPr lang="en-US" altLang="zh-TW" dirty="0" smtClean="0"/>
           </a:p>
           <a:p>
             <a:pPr marL="0" indent="0">
@@ -6429,6 +6478,7 @@
               <a:rPr lang="en-US" altLang="zh-TW" dirty="0" smtClean="0"/>
               <a:t>WORKDIR /app</a:t>
             </a:r>
+            <a:endParaRPr lang="en-US" altLang="zh-TW" dirty="0" smtClean="0"/>
           </a:p>
           <a:p>
             <a:r>
@@ -6475,6 +6525,7 @@
               <a:rPr lang="en-US" altLang="zh-TW" dirty="0" smtClean="0"/>
               <a:t>/app</a:t>
             </a:r>
+            <a:endParaRPr lang="en-US" altLang="zh-TW" dirty="0" smtClean="0"/>
           </a:p>
           <a:p>
             <a:r>
@@ -6489,6 +6540,7 @@
               <a:rPr lang="zh-TW" altLang="en-US" dirty="0"/>
               <a:t>RUN pip install -r requirements.txt</a:t>
             </a:r>
+            <a:endParaRPr lang="zh-TW" altLang="en-US" dirty="0"/>
           </a:p>
           <a:p>
             <a:pPr marL="0" indent="0">
@@ -6607,12 +6659,6 @@
               </a:rPr>
               <a:t>(9)</a:t>
             </a:r>
-            <a:r>
-              <a:rPr lang="en-US" altLang="zh-TW" dirty="0">
-                <a:sym typeface="+mn-ea"/>
-              </a:rPr>
-              <a:t/>
-            </a:r>
             <a:br>
               <a:rPr lang="en-US" altLang="zh-TW" dirty="0">
                 <a:sym typeface="+mn-ea"/>
@@ -6647,6 +6693,7 @@
               <a:rPr lang="en-US" altLang="zh-TW" dirty="0" smtClean="0"/>
               <a:t>EXPOSE </a:t>
             </a:r>
+            <a:endParaRPr lang="en-US" altLang="zh-TW" dirty="0" smtClean="0"/>
           </a:p>
           <a:p>
             <a:r>
@@ -6665,6 +6712,7 @@
               <a:rPr lang="zh-TW" altLang="en-US" dirty="0"/>
               <a:t>」的「備註」而已，</a:t>
             </a:r>
+            <a:endParaRPr lang="zh-TW" altLang="en-US" dirty="0"/>
           </a:p>
           <a:p>
             <a:r>
@@ -6690,15 +6738,11 @@
               <a:rPr lang="zh-TW" altLang="en-US" dirty="0"/>
               <a:t>所以不寫也不會怎樣 只是個註解而已</a:t>
             </a:r>
+            <a:endParaRPr lang="zh-TW" altLang="en-US" dirty="0"/>
           </a:p>
         </p:txBody>
       </p:sp>
     </p:spTree>
-    <p:extLst>
-      <p:ext uri="{BB962C8B-B14F-4D97-AF65-F5344CB8AC3E}">
-        <p14:creationId xmlns:p14="http://schemas.microsoft.com/office/powerpoint/2010/main" val="1172889124"/>
-      </p:ext>
-    </p:extLst>
   </p:cSld>
   <p:clrMapOvr>
     <a:masterClrMapping/>
@@ -6821,6 +6865,7 @@
               <a:rPr dirty="0"/>
               <a:t>。</a:t>
             </a:r>
+            <a:endParaRPr dirty="0"/>
           </a:p>
           <a:p>
             <a:pPr algn="l"/>
@@ -6856,6 +6901,7 @@
               <a:rPr dirty="0"/>
               <a:t>。</a:t>
             </a:r>
+            <a:endParaRPr dirty="0"/>
           </a:p>
           <a:p>
             <a:pPr algn="l"/>
@@ -6891,6 +6937,7 @@
               <a:rPr dirty="0"/>
               <a:t> .。</a:t>
             </a:r>
+            <a:endParaRPr dirty="0"/>
           </a:p>
           <a:p>
             <a:pPr algn="l"/>
@@ -6918,6 +6965,7 @@
               <a:rPr dirty="0"/>
               <a:t>。</a:t>
             </a:r>
+            <a:endParaRPr dirty="0"/>
           </a:p>
         </p:txBody>
       </p:sp>
@@ -7059,6 +7107,7 @@
               <a:rPr lang="en-US" altLang="zh-TW" dirty="0" smtClean="0"/>
               <a:t>.</a:t>
             </a:r>
+            <a:endParaRPr lang="en-US" altLang="zh-TW" dirty="0" smtClean="0"/>
           </a:p>
           <a:p>
             <a:r>
@@ -7160,14 +7209,6 @@
               <a:rPr lang="zh-TW" altLang="en-US" dirty="0"/>
               <a:t>運用</a:t>
             </a:r>
-            <a:r>
-              <a:rPr lang="en-US" altLang="zh-TW" dirty="0">
-                <a:solidFill>
-                  <a:schemeClr val="tx1"/>
-                </a:solidFill>
-              </a:rPr>
-              <a:t/>
-            </a:r>
             <a:br>
               <a:rPr lang="en-US" altLang="zh-TW" dirty="0">
                 <a:solidFill>
@@ -7294,14 +7335,6 @@
               <a:rPr lang="en-US" altLang="zh-TW" dirty="0" smtClean="0"/>
               <a:t>(2)</a:t>
             </a:r>
-            <a:r>
-              <a:rPr lang="en-US" altLang="zh-TW" dirty="0">
-                <a:solidFill>
-                  <a:schemeClr val="tx1"/>
-                </a:solidFill>
-              </a:rPr>
-              <a:t/>
-            </a:r>
             <a:br>
               <a:rPr lang="en-US" altLang="zh-TW" dirty="0">
                 <a:solidFill>
@@ -7366,7 +7399,7 @@
           <p:nvPr/>
         </p:nvPicPr>
         <p:blipFill>
-          <a:blip r:embed="rId2"/>
+          <a:blip r:embed="rId1"/>
           <a:stretch>
             <a:fillRect/>
           </a:stretch>
@@ -7587,6 +7620,7 @@
               <a:rPr dirty="0"/>
               <a:t>：</a:t>
             </a:r>
+            <a:endParaRPr dirty="0"/>
           </a:p>
           <a:p>
             <a:pPr lvl="1" algn="l"/>
@@ -7614,6 +7648,7 @@
               <a:rPr dirty="0"/>
               <a:t>。</a:t>
             </a:r>
+            <a:endParaRPr dirty="0"/>
           </a:p>
           <a:p>
             <a:pPr algn="l"/>
@@ -7625,6 +7660,7 @@
               <a:rPr dirty="0"/>
               <a:t>：</a:t>
             </a:r>
+            <a:endParaRPr dirty="0"/>
           </a:p>
           <a:p>
             <a:pPr lvl="1" algn="l"/>
@@ -7676,6 +7712,7 @@
               <a:rPr dirty="0"/>
               <a:t> shell。</a:t>
             </a:r>
+            <a:endParaRPr dirty="0"/>
           </a:p>
           <a:p>
             <a:pPr algn="l"/>
@@ -7687,6 +7724,7 @@
               <a:rPr dirty="0"/>
               <a:t>：</a:t>
             </a:r>
+            <a:endParaRPr dirty="0"/>
           </a:p>
           <a:p>
             <a:pPr lvl="1" algn="l"/>
@@ -7718,6 +7756,7 @@
               <a:rPr dirty="0"/>
               <a:t>。</a:t>
             </a:r>
+            <a:endParaRPr dirty="0"/>
           </a:p>
         </p:txBody>
       </p:sp>
@@ -7827,82 +7866,6 @@
               </a:rPr>
               <a:t>全面解析</a:t>
             </a:r>
-          </a:p>
-          <a:p>
-            <a:pPr marL="285750" indent="-285750" algn="l">
-              <a:buFont typeface="Arial" panose="020B0604020202020204" pitchFamily="34" charset="0"/>
-              <a:buChar char="•"/>
-            </a:pPr>
-            <a:r>
-              <a:rPr lang="en-US" sz="2800" dirty="0" err="1">
-                <a:solidFill>
-                  <a:schemeClr val="tx1"/>
-                </a:solidFill>
-              </a:rPr>
-              <a:t>d</a:t>
-            </a:r>
-            <a:r>
-              <a:rPr lang="en-US" sz="2800" dirty="0" err="1" smtClean="0">
-                <a:solidFill>
-                  <a:schemeClr val="tx1"/>
-                </a:solidFill>
-              </a:rPr>
-              <a:t>ocker</a:t>
-            </a:r>
-            <a:r>
-              <a:rPr lang="en-US" sz="2800" dirty="0" smtClean="0">
-                <a:solidFill>
-                  <a:schemeClr val="tx1"/>
-                </a:solidFill>
-              </a:rPr>
-              <a:t> build</a:t>
-            </a:r>
-            <a:r>
-              <a:rPr lang="zh-TW" altLang="en-US" sz="2800" dirty="0" smtClean="0">
-                <a:solidFill>
-                  <a:schemeClr val="tx1"/>
-                </a:solidFill>
-              </a:rPr>
-              <a:t>指令運用</a:t>
-            </a:r>
-          </a:p>
-          <a:p>
-            <a:pPr marL="285750" indent="-285750" algn="l">
-              <a:buFont typeface="Arial" panose="020B0604020202020204" pitchFamily="34" charset="0"/>
-              <a:buChar char="•"/>
-            </a:pPr>
-            <a:r>
-              <a:rPr lang="en-US" altLang="zh-TW" sz="2800" dirty="0" err="1" smtClean="0">
-                <a:solidFill>
-                  <a:schemeClr val="tx1"/>
-                </a:solidFill>
-              </a:rPr>
-              <a:t>docker</a:t>
-            </a:r>
-            <a:r>
-              <a:rPr lang="en-US" altLang="zh-TW" sz="2800" dirty="0" smtClean="0">
-                <a:solidFill>
-                  <a:schemeClr val="tx1"/>
-                </a:solidFill>
-              </a:rPr>
-              <a:t> login</a:t>
-            </a:r>
-            <a:r>
-              <a:rPr lang="zh-TW" altLang="en-US" sz="2800" dirty="0" smtClean="0">
-                <a:solidFill>
-                  <a:schemeClr val="tx1"/>
-                </a:solidFill>
-              </a:rPr>
-              <a:t>指令</a:t>
-            </a:r>
-            <a:r>
-              <a:rPr lang="zh-TW" altLang="en-US" sz="2800" dirty="0">
-                <a:solidFill>
-                  <a:schemeClr val="tx1"/>
-                </a:solidFill>
-              </a:rPr>
-              <a:t>運用</a:t>
-            </a:r>
             <a:endParaRPr lang="zh-TW" altLang="en-US" sz="2800" dirty="0" smtClean="0">
               <a:solidFill>
                 <a:schemeClr val="tx1"/>
@@ -7915,20 +7878,28 @@
               <a:buChar char="•"/>
             </a:pPr>
             <a:r>
-              <a:rPr lang="en-US" altLang="zh-TW" sz="2800" dirty="0" err="1">
+              <a:rPr lang="en-US" sz="2800" dirty="0" err="1">
                 <a:solidFill>
                   <a:schemeClr val="tx1"/>
                 </a:solidFill>
               </a:rPr>
-              <a:t>docker</a:t>
-            </a:r>
-            <a:r>
-              <a:rPr lang="en-US" altLang="zh-TW" sz="2800" dirty="0">
+              <a:t>d</a:t>
+            </a:r>
+            <a:r>
+              <a:rPr lang="en-US" sz="2800" dirty="0" err="1" smtClean="0">
                 <a:solidFill>
                   <a:schemeClr val="tx1"/>
                 </a:solidFill>
               </a:rPr>
-              <a:t> push</a:t>
+              <a:t>ocker</a:t>
+            </a:r>
+            <a:r>
+              <a:rPr lang="en-US" sz="2800" dirty="0" smtClean="0">
+                <a:solidFill>
+                  <a:schemeClr val="tx1"/>
+                </a:solidFill>
+              </a:rPr>
+              <a:t> build</a:t>
             </a:r>
             <a:r>
               <a:rPr lang="zh-TW" altLang="en-US" sz="2800" dirty="0" smtClean="0">
@@ -7936,16 +7907,13 @@
                   <a:schemeClr val="tx1"/>
                 </a:solidFill>
               </a:rPr>
-              <a:t>指令</a:t>
-            </a:r>
-            <a:r>
-              <a:rPr lang="zh-TW" altLang="en-US" sz="2800" dirty="0">
-                <a:solidFill>
-                  <a:schemeClr val="tx1"/>
-                </a:solidFill>
-              </a:rPr>
-              <a:t>運用</a:t>
-            </a:r>
+              <a:t>指令運用</a:t>
+            </a:r>
+            <a:endParaRPr lang="zh-TW" altLang="en-US" sz="2800" dirty="0" smtClean="0">
+              <a:solidFill>
+                <a:schemeClr val="tx1"/>
+              </a:solidFill>
+            </a:endParaRPr>
           </a:p>
           <a:p>
             <a:pPr marL="285750" indent="-285750" algn="l">
@@ -7953,10 +7921,96 @@
               <a:buChar char="•"/>
             </a:pPr>
             <a:r>
+              <a:rPr lang="en-US" altLang="zh-TW" sz="2800" dirty="0" err="1" smtClean="0">
+                <a:solidFill>
+                  <a:schemeClr val="tx1"/>
+                </a:solidFill>
+              </a:rPr>
+              <a:t>docker</a:t>
+            </a:r>
+            <a:r>
+              <a:rPr lang="en-US" altLang="zh-TW" sz="2800" dirty="0" smtClean="0">
+                <a:solidFill>
+                  <a:schemeClr val="tx1"/>
+                </a:solidFill>
+              </a:rPr>
+              <a:t> login</a:t>
+            </a:r>
+            <a:r>
+              <a:rPr lang="zh-TW" altLang="en-US" sz="2800" dirty="0" smtClean="0">
+                <a:solidFill>
+                  <a:schemeClr val="tx1"/>
+                </a:solidFill>
+              </a:rPr>
+              <a:t>指令</a:t>
+            </a:r>
+            <a:r>
+              <a:rPr lang="zh-TW" altLang="en-US" sz="2800" dirty="0">
+                <a:solidFill>
+                  <a:schemeClr val="tx1"/>
+                </a:solidFill>
+              </a:rPr>
+              <a:t>運用</a:t>
+            </a:r>
+            <a:endParaRPr lang="zh-TW" altLang="en-US" sz="2800" dirty="0" smtClean="0">
+              <a:solidFill>
+                <a:schemeClr val="tx1"/>
+              </a:solidFill>
+            </a:endParaRPr>
+          </a:p>
+          <a:p>
+            <a:pPr marL="285750" indent="-285750" algn="l">
+              <a:buFont typeface="Arial" panose="020B0604020202020204" pitchFamily="34" charset="0"/>
+              <a:buChar char="•"/>
+            </a:pPr>
+            <a:r>
+              <a:rPr lang="en-US" altLang="zh-TW" sz="2800" dirty="0" err="1">
+                <a:solidFill>
+                  <a:schemeClr val="tx1"/>
+                </a:solidFill>
+              </a:rPr>
+              <a:t>docker</a:t>
+            </a:r>
+            <a:r>
               <a:rPr lang="en-US" altLang="zh-TW" sz="2800" dirty="0">
                 <a:solidFill>
                   <a:schemeClr val="tx1"/>
                 </a:solidFill>
+              </a:rPr>
+              <a:t> push</a:t>
+            </a:r>
+            <a:r>
+              <a:rPr lang="zh-TW" altLang="en-US" sz="2800" dirty="0" smtClean="0">
+                <a:solidFill>
+                  <a:schemeClr val="tx1"/>
+                </a:solidFill>
+              </a:rPr>
+              <a:t>指令</a:t>
+            </a:r>
+            <a:r>
+              <a:rPr lang="zh-TW" altLang="en-US" sz="2800" dirty="0">
+                <a:solidFill>
+                  <a:schemeClr val="tx1"/>
+                </a:solidFill>
+              </a:rPr>
+              <a:t>運用</a:t>
+            </a:r>
+            <a:endParaRPr lang="zh-TW" altLang="en-US" sz="2800" dirty="0">
+              <a:solidFill>
+                <a:schemeClr val="tx1"/>
+              </a:solidFill>
+            </a:endParaRPr>
+          </a:p>
+          <a:p>
+            <a:pPr marL="285750" indent="-285750" algn="l">
+              <a:buFont typeface="Arial" panose="020B0604020202020204" pitchFamily="34" charset="0"/>
+              <a:buChar char="•"/>
+            </a:pPr>
+            <a:r>
+              <a:rPr lang="en-US" altLang="zh-TW" sz="2800" dirty="0">
+                <a:solidFill>
+                  <a:schemeClr val="tx1"/>
+                </a:solidFill>
                 <a:sym typeface="+mn-ea"/>
               </a:rPr>
               <a:t>docker exec </a:t>
@@ -7970,6 +8024,12 @@
               </a:rPr>
               <a:t>指令</a:t>
             </a:r>
+            <a:endParaRPr lang="zh-TW" altLang="en-US" sz="2800" dirty="0">
+              <a:solidFill>
+                <a:schemeClr val="tx1"/>
+              </a:solidFill>
+              <a:sym typeface="+mn-ea"/>
+            </a:endParaRPr>
           </a:p>
           <a:p>
             <a:pPr algn="l"/>
@@ -8267,6 +8327,12 @@
               </a:rPr>
               <a:t>容器關聯</a:t>
             </a:r>
+            <a:endParaRPr lang="zh-TW" altLang="en-US" sz="2800" dirty="0">
+              <a:solidFill>
+                <a:schemeClr val="tx1"/>
+              </a:solidFill>
+              <a:sym typeface="+mn-ea"/>
+            </a:endParaRPr>
           </a:p>
           <a:p>
             <a:pPr marL="285750" indent="-285750" algn="l">
@@ -8291,6 +8357,12 @@
               </a:rPr>
               <a:t>網路的建立與管理</a:t>
             </a:r>
+            <a:endParaRPr sz="2800" dirty="0" err="1">
+              <a:solidFill>
+                <a:schemeClr val="tx1"/>
+              </a:solidFill>
+              <a:sym typeface="+mn-ea"/>
+            </a:endParaRPr>
           </a:p>
           <a:p>
             <a:pPr marL="285750" indent="-285750" algn="l">
@@ -8389,6 +8461,12 @@
               </a:rPr>
               <a:t>詳解</a:t>
             </a:r>
+            <a:endParaRPr lang="zh-TW" altLang="en-US" sz="2800" dirty="0" err="1">
+              <a:solidFill>
+                <a:schemeClr val="tx1"/>
+              </a:solidFill>
+              <a:sym typeface="+mn-ea"/>
+            </a:endParaRPr>
           </a:p>
           <a:p>
             <a:pPr marL="285750" indent="-285750" algn="l">
@@ -8422,6 +8500,12 @@
               </a:rPr>
               <a:t>介紹</a:t>
             </a:r>
+            <a:endParaRPr lang="zh-TW" altLang="en-US" sz="2800" dirty="0" err="1">
+              <a:solidFill>
+                <a:schemeClr val="tx1"/>
+              </a:solidFill>
+              <a:sym typeface="+mn-ea"/>
+            </a:endParaRPr>
           </a:p>
           <a:p>
             <a:pPr algn="l"/>
@@ -8638,6 +8722,7 @@
               <a:rPr lang="en-US" altLang="zh-TW" dirty="0"/>
               <a:t>..</a:t>
             </a:r>
+            <a:endParaRPr lang="en-US" altLang="zh-TW" dirty="0"/>
           </a:p>
           <a:p>
             <a:endParaRPr lang="en-US" altLang="zh-TW" dirty="0"/>
@@ -8694,10 +8779,6 @@
             <a:r>
               <a:rPr lang="zh-TW" altLang="en-US" dirty="0" smtClean="0"/>
               <a:t>）</a:t>
-            </a:r>
-            <a:r>
-              <a:rPr lang="en-US" altLang="zh-TW" dirty="0" smtClean="0"/>
-              <a:t/>
             </a:r>
             <a:br>
               <a:rPr lang="en-US" altLang="zh-TW" dirty="0" smtClean="0"/>
@@ -8808,6 +8889,7 @@
               <a:rPr lang="en-US" altLang="zh-TW" dirty="0"/>
               <a:t>app.py</a:t>
             </a:r>
+            <a:endParaRPr lang="en-US" altLang="zh-TW" dirty="0"/>
           </a:p>
           <a:p>
             <a:endParaRPr lang="en-US" altLang="zh-TW" dirty="0"/>
@@ -9088,6 +9170,7 @@
               <a:rPr lang="en-US" altLang="zh-TW" dirty="0" smtClean="0"/>
               <a:t>d html</a:t>
             </a:r>
+            <a:endParaRPr lang="en-US" altLang="zh-TW" dirty="0" smtClean="0"/>
           </a:p>
           <a:p>
             <a:r>
@@ -9653,6 +9736,7 @@
               <a:rPr dirty="0"/>
               <a:t>：</a:t>
             </a:r>
+            <a:endParaRPr dirty="0"/>
           </a:p>
           <a:p>
             <a:pPr lvl="1" algn="l"/>
@@ -9684,6 +9768,7 @@
               <a:rPr dirty="0"/>
               <a:t>。</a:t>
             </a:r>
+            <a:endParaRPr dirty="0"/>
           </a:p>
           <a:p>
             <a:pPr marL="0" indent="0" algn="l">
@@ -9701,6 +9786,7 @@
               <a:rPr dirty="0"/>
               <a:t>：</a:t>
             </a:r>
+            <a:endParaRPr dirty="0"/>
           </a:p>
           <a:p>
             <a:pPr lvl="1" algn="l"/>
@@ -9720,6 +9806,7 @@
               <a:rPr dirty="0"/>
               <a:t>。</a:t>
             </a:r>
+            <a:endParaRPr dirty="0"/>
           </a:p>
         </p:txBody>
       </p:sp>
@@ -9799,6 +9886,7 @@
               <a:rPr lang="en-US" dirty="0"/>
               <a:t>(2)</a:t>
             </a:r>
+            <a:endParaRPr lang="en-US" dirty="0"/>
           </a:p>
         </p:txBody>
       </p:sp>
@@ -9820,7 +9908,7 @@
         </p:spPr>
         <p:txBody>
           <a:bodyPr>
-            <a:normAutofit lnSpcReduction="10000"/>
+            <a:normAutofit lnSpcReduction="20000"/>
           </a:bodyPr>
           <a:lstStyle/>
           <a:p>
@@ -9837,6 +9925,9 @@
               </a:rPr>
               <a:t>：</a:t>
             </a:r>
+            <a:endParaRPr sz="1800" dirty="0">
+              <a:sym typeface="+mn-ea"/>
+            </a:endParaRPr>
           </a:p>
           <a:p>
             <a:pPr marL="0" indent="0" algn="l">
@@ -9848,6 +9939,9 @@
               </a:rPr>
               <a:t>步驟1:</a:t>
             </a:r>
+            <a:endParaRPr sz="1800" dirty="0">
+              <a:sym typeface="+mn-ea"/>
+            </a:endParaRPr>
           </a:p>
           <a:p>
             <a:pPr marL="0" indent="0" algn="l">
@@ -9951,40 +10045,57 @@
               </a:rPr>
               <a:t>)</a:t>
             </a:r>
-          </a:p>
-          <a:p>
-            <a:pPr marL="0" indent="0" algn="l">
-              <a:buNone/>
-            </a:pPr>
-            <a:r>
-              <a:rPr sz="1800" dirty="0">
-                <a:sym typeface="+mn-ea"/>
-              </a:rPr>
-              <a:t>    </a:t>
-            </a:r>
-            <a:r>
-              <a:rPr sz="1800" dirty="0" err="1">
-                <a:sym typeface="+mn-ea"/>
-              </a:rPr>
-              <a:t>確認抓取</a:t>
-            </a:r>
-            <a:r>
-              <a:rPr lang="zh-TW" sz="1800" dirty="0">
-                <a:sym typeface="+mn-ea"/>
-              </a:rPr>
-              <a:t>資料</a:t>
-            </a:r>
-            <a:r>
-              <a:rPr sz="1800" dirty="0" err="1">
-                <a:sym typeface="+mn-ea"/>
-              </a:rPr>
-              <a:t>成功</a:t>
-            </a:r>
             <a:endParaRPr sz="1800" dirty="0">
               <a:sym typeface="+mn-ea"/>
             </a:endParaRPr>
           </a:p>
           <a:p>
+            <a:pPr marL="0" indent="457200" algn="l">
+              <a:buNone/>
+            </a:pPr>
+            <a:r>
+              <a:rPr lang="en-US" altLang="zh-HK" sz="1800" dirty="0">
+                <a:sym typeface="+mn-ea"/>
+              </a:rPr>
+              <a:t>https://github.com/coolyuoo/PyWithMySql</a:t>
+            </a:r>
+            <a:endParaRPr lang="en-US" altLang="zh-HK" sz="1800" dirty="0">
+              <a:sym typeface="+mn-ea"/>
+            </a:endParaRPr>
+          </a:p>
+          <a:p>
+            <a:pPr marL="0" indent="0" algn="l">
+              <a:buNone/>
+            </a:pPr>
+            <a:r>
+              <a:rPr sz="1800" dirty="0">
+                <a:sym typeface="+mn-ea"/>
+              </a:rPr>
+              <a:t>    </a:t>
+            </a:r>
+            <a:r>
+              <a:rPr sz="1800" dirty="0" err="1">
+                <a:sym typeface="+mn-ea"/>
+              </a:rPr>
+              <a:t>確認抓取</a:t>
+            </a:r>
+            <a:r>
+              <a:rPr lang="zh-TW" sz="1800" dirty="0">
+                <a:sym typeface="+mn-ea"/>
+              </a:rPr>
+              <a:t>資料</a:t>
+            </a:r>
+            <a:r>
+              <a:rPr sz="1800" dirty="0" err="1">
+                <a:sym typeface="+mn-ea"/>
+              </a:rPr>
+              <a:t>成功</a:t>
+            </a:r>
+            <a:endParaRPr sz="1800" dirty="0">
+              <a:sym typeface="+mn-ea"/>
+            </a:endParaRPr>
+          </a:p>
+          <a:p>
             <a:pPr marL="0" indent="0" algn="l">
               <a:buNone/>
             </a:pPr>
@@ -9992,6 +10103,7 @@
               <a:rPr dirty="0"/>
               <a:t>步驟2:</a:t>
             </a:r>
+            <a:endParaRPr dirty="0"/>
           </a:p>
           <a:p>
             <a:pPr marL="0" indent="0" algn="l">
@@ -10045,6 +10157,7 @@
               <a:rPr lang="en-US" dirty="0"/>
               <a:t>步驟3</a:t>
             </a:r>
+            <a:endParaRPr lang="en-US" dirty="0"/>
           </a:p>
           <a:p>
             <a:pPr marL="0" indent="0" algn="l">
@@ -10086,6 +10199,7 @@
               <a:rPr lang="en-US" dirty="0"/>
               <a:t> </a:t>
             </a:r>
+            <a:endParaRPr lang="en-US" dirty="0"/>
           </a:p>
           <a:p>
             <a:pPr marL="0" indent="0" algn="l">
@@ -10103,6 +10217,7 @@
               <a:rPr lang="en-US" dirty="0"/>
               <a:t> apt update</a:t>
             </a:r>
+            <a:endParaRPr lang="en-US" dirty="0"/>
           </a:p>
           <a:p>
             <a:pPr marL="0" indent="0" algn="l">
@@ -10128,6 +10243,7 @@
               <a:rPr lang="en-US" dirty="0"/>
               <a:t>-ping</a:t>
             </a:r>
+            <a:endParaRPr lang="en-US" dirty="0"/>
           </a:p>
           <a:p>
             <a:pPr marL="0" indent="0" algn="l">
@@ -10196,6 +10312,7 @@
               <a:rPr lang="en-US"/>
               <a:t>(3)</a:t>
             </a:r>
+            <a:endParaRPr lang="en-US"/>
           </a:p>
         </p:txBody>
       </p:sp>
@@ -10234,46 +10351,6 @@
               </a:rPr>
               <a:t>：</a:t>
             </a:r>
-          </a:p>
-          <a:p>
-            <a:pPr marL="0" indent="0" algn="l">
-              <a:buNone/>
-            </a:pPr>
-            <a:r>
-              <a:rPr sz="1800" dirty="0">
-                <a:sym typeface="+mn-ea"/>
-              </a:rPr>
-              <a:t>步驟4</a:t>
-            </a:r>
-          </a:p>
-          <a:p>
-            <a:pPr marL="0" indent="0" algn="l">
-              <a:buNone/>
-            </a:pPr>
-            <a:r>
-              <a:rPr lang="en-US" sz="1800" dirty="0">
-                <a:sym typeface="+mn-ea"/>
-              </a:rPr>
-              <a:t>	</a:t>
-            </a:r>
-            <a:r>
-              <a:rPr sz="1800" dirty="0" err="1">
-                <a:sym typeface="+mn-ea"/>
-              </a:rPr>
-              <a:t>在python容器內部去ping</a:t>
-            </a:r>
-            <a:r>
-              <a:rPr sz="1800" dirty="0">
-                <a:sym typeface="+mn-ea"/>
-              </a:rPr>
-              <a:t>  </a:t>
-            </a:r>
-            <a:r>
-              <a:rPr sz="1800" dirty="0" err="1">
-                <a:sym typeface="+mn-ea"/>
-              </a:rPr>
-              <a:t>mysql服務</a:t>
-            </a:r>
             <a:endParaRPr sz="1800" dirty="0">
               <a:sym typeface="+mn-ea"/>
             </a:endParaRPr>
@@ -10283,15 +10360,61 @@
               <a:buNone/>
             </a:pPr>
             <a:r>
+              <a:rPr sz="1800" dirty="0">
+                <a:sym typeface="+mn-ea"/>
+              </a:rPr>
+              <a:t>步驟4</a:t>
+            </a:r>
+            <a:endParaRPr sz="1800" dirty="0">
+              <a:sym typeface="+mn-ea"/>
+            </a:endParaRPr>
+          </a:p>
+          <a:p>
+            <a:pPr marL="0" indent="0" algn="l">
+              <a:buNone/>
+            </a:pPr>
+            <a:r>
               <a:rPr lang="en-US" sz="1800" dirty="0">
                 <a:sym typeface="+mn-ea"/>
               </a:rPr>
               <a:t>	</a:t>
             </a:r>
             <a:r>
+              <a:rPr sz="1800" dirty="0" err="1">
+                <a:sym typeface="+mn-ea"/>
+              </a:rPr>
+              <a:t>在python容器內部去ping</a:t>
+            </a:r>
+            <a:r>
               <a:rPr sz="1800" dirty="0">
                 <a:sym typeface="+mn-ea"/>
               </a:rPr>
+              <a:t>  </a:t>
+            </a:r>
+            <a:r>
+              <a:rPr sz="1800" dirty="0" err="1">
+                <a:sym typeface="+mn-ea"/>
+              </a:rPr>
+              <a:t>mysql服務</a:t>
+            </a:r>
+            <a:endParaRPr sz="1800" dirty="0">
+              <a:sym typeface="+mn-ea"/>
+            </a:endParaRPr>
+          </a:p>
+          <a:p>
+            <a:pPr marL="0" indent="0" algn="l">
+              <a:buNone/>
+            </a:pPr>
+            <a:r>
+              <a:rPr lang="en-US" sz="1800" dirty="0">
+                <a:sym typeface="+mn-ea"/>
+              </a:rPr>
+              <a:t>	</a:t>
+            </a:r>
+            <a:r>
+              <a:rPr sz="1800" dirty="0">
+                <a:sym typeface="+mn-ea"/>
+              </a:rPr>
               <a:t>Ping </a:t>
             </a:r>
             <a:r>
@@ -10306,6 +10429,9 @@
               </a:rPr>
               <a:t>-container</a:t>
             </a:r>
+            <a:endParaRPr sz="1800" dirty="0">
+              <a:sym typeface="+mn-ea"/>
+            </a:endParaRPr>
           </a:p>
           <a:p>
             <a:pPr marL="0" indent="0" algn="l">
@@ -10377,6 +10503,9 @@
               </a:rPr>
               <a:t>。</a:t>
             </a:r>
+            <a:endParaRPr sz="1800" dirty="0">
+              <a:sym typeface="+mn-ea"/>
+            </a:endParaRPr>
           </a:p>
           <a:p>
             <a:pPr marL="0" indent="0" algn="l">
@@ -10424,6 +10553,9 @@
               </a:rPr>
               <a:t> </a:t>
             </a:r>
+            <a:endParaRPr sz="1800" dirty="0">
+              <a:sym typeface="+mn-ea"/>
+            </a:endParaRPr>
           </a:p>
           <a:p>
             <a:pPr marL="0" indent="0" algn="l">
@@ -10494,6 +10626,7 @@
               <a:rPr lang="en-US"/>
               <a:t>(4)</a:t>
             </a:r>
+            <a:endParaRPr lang="en-US"/>
           </a:p>
         </p:txBody>
       </p:sp>
@@ -10532,46 +10665,6 @@
               </a:rPr>
               <a:t>：</a:t>
             </a:r>
-          </a:p>
-          <a:p>
-            <a:pPr marL="0" indent="0" algn="l">
-              <a:buNone/>
-            </a:pPr>
-            <a:r>
-              <a:rPr sz="1800" dirty="0">
-                <a:sym typeface="+mn-ea"/>
-              </a:rPr>
-              <a:t>步驟5 </a:t>
-            </a:r>
-          </a:p>
-          <a:p>
-            <a:pPr marL="0" indent="0" algn="l">
-              <a:buNone/>
-            </a:pPr>
-            <a:r>
-              <a:rPr lang="en-US" sz="1800" dirty="0">
-                <a:sym typeface="+mn-ea"/>
-              </a:rPr>
-              <a:t>	</a:t>
-            </a:r>
-            <a:r>
-              <a:rPr sz="1800" dirty="0" err="1">
-                <a:sym typeface="+mn-ea"/>
-              </a:rPr>
-              <a:t>開始建立</a:t>
-            </a:r>
-            <a:r>
-              <a:rPr sz="1800" dirty="0">
-                <a:sym typeface="+mn-ea"/>
-              </a:rPr>
-              <a:t> net </a:t>
-            </a:r>
-            <a:r>
-              <a:rPr sz="1800" dirty="0" err="1">
-                <a:sym typeface="+mn-ea"/>
-              </a:rPr>
-              <a:t>網路</a:t>
-            </a:r>
             <a:endParaRPr sz="1800" dirty="0">
               <a:sym typeface="+mn-ea"/>
             </a:endParaRPr>
@@ -10581,6 +10674,20 @@
               <a:buNone/>
             </a:pPr>
             <a:r>
+              <a:rPr sz="1800" dirty="0">
+                <a:sym typeface="+mn-ea"/>
+              </a:rPr>
+              <a:t>步驟5 </a:t>
+            </a:r>
+            <a:endParaRPr sz="1800" dirty="0">
+              <a:sym typeface="+mn-ea"/>
+            </a:endParaRPr>
+          </a:p>
+          <a:p>
+            <a:pPr marL="0" indent="0" algn="l">
+              <a:buNone/>
+            </a:pPr>
+            <a:r>
               <a:rPr lang="en-US" sz="1800" dirty="0">
                 <a:sym typeface="+mn-ea"/>
               </a:rPr>
@@ -10590,6 +10697,38 @@
               <a:rPr sz="1800" dirty="0" err="1">
                 <a:sym typeface="+mn-ea"/>
               </a:rPr>
+              <a:t>開始建立</a:t>
+            </a:r>
+            <a:r>
+              <a:rPr sz="1800" dirty="0">
+                <a:sym typeface="+mn-ea"/>
+              </a:rPr>
+              <a:t> net </a:t>
+            </a:r>
+            <a:r>
+              <a:rPr sz="1800" dirty="0" err="1">
+                <a:sym typeface="+mn-ea"/>
+              </a:rPr>
+              <a:t>網路</a:t>
+            </a:r>
+            <a:endParaRPr sz="1800" dirty="0">
+              <a:sym typeface="+mn-ea"/>
+            </a:endParaRPr>
+          </a:p>
+          <a:p>
+            <a:pPr marL="0" indent="0" algn="l">
+              <a:buNone/>
+            </a:pPr>
+            <a:r>
+              <a:rPr lang="en-US" sz="1800" dirty="0">
+                <a:sym typeface="+mn-ea"/>
+              </a:rPr>
+              <a:t>	</a:t>
+            </a:r>
+            <a:r>
+              <a:rPr sz="1800" dirty="0" err="1">
+                <a:sym typeface="+mn-ea"/>
+              </a:rPr>
               <a:t>docker</a:t>
             </a:r>
             <a:r>
@@ -10598,6 +10737,9 @@
               </a:rPr>
               <a:t> network ls</a:t>
             </a:r>
+            <a:endParaRPr sz="1800" dirty="0">
+              <a:sym typeface="+mn-ea"/>
+            </a:endParaRPr>
           </a:p>
           <a:p>
             <a:pPr marL="0" indent="0" algn="l">
@@ -10681,6 +10823,9 @@
               </a:rPr>
               <a:t> network ls</a:t>
             </a:r>
+            <a:endParaRPr sz="1800" dirty="0">
+              <a:sym typeface="+mn-ea"/>
+            </a:endParaRPr>
           </a:p>
           <a:p>
             <a:pPr marL="0" indent="0" algn="l">
@@ -10756,6 +10901,9 @@
               </a:rPr>
               <a:t> net</a:t>
             </a:r>
+            <a:endParaRPr sz="1800" dirty="0">
+              <a:sym typeface="+mn-ea"/>
+            </a:endParaRPr>
           </a:p>
           <a:p>
             <a:pPr marL="0" indent="0" algn="l">
@@ -10826,6 +10974,7 @@
               <a:rPr lang="en-US"/>
               <a:t>(5)</a:t>
             </a:r>
+            <a:endParaRPr lang="en-US"/>
           </a:p>
         </p:txBody>
       </p:sp>
@@ -10864,6 +11013,9 @@
               </a:rPr>
               <a:t>：</a:t>
             </a:r>
+            <a:endParaRPr sz="1800">
+              <a:sym typeface="+mn-ea"/>
+            </a:endParaRPr>
           </a:p>
           <a:p>
             <a:pPr marL="0" indent="0" algn="l">
@@ -10875,6 +11027,9 @@
               </a:rPr>
               <a:t>步驟6 </a:t>
             </a:r>
+            <a:endParaRPr sz="1800">
+              <a:sym typeface="+mn-ea"/>
+            </a:endParaRPr>
           </a:p>
           <a:p>
             <a:pPr marL="0" indent="0" algn="l">
@@ -10892,6 +11047,9 @@
               </a:rPr>
               <a:t>停止兩個容器並刪除</a:t>
             </a:r>
+            <a:endParaRPr sz="1800">
+              <a:sym typeface="+mn-ea"/>
+            </a:endParaRPr>
           </a:p>
           <a:p>
             <a:pPr marL="0" indent="0" algn="l">
@@ -10909,6 +11067,9 @@
               </a:rPr>
               <a:t>重新啟動這兩個image </a:t>
             </a:r>
+            <a:endParaRPr sz="1800">
+              <a:sym typeface="+mn-ea"/>
+            </a:endParaRPr>
           </a:p>
           <a:p>
             <a:pPr marL="0" indent="0" algn="l">
@@ -10934,6 +11095,9 @@
               </a:rPr>
               <a:t>docker run</a:t>
             </a:r>
+            <a:endParaRPr sz="1800">
+              <a:sym typeface="+mn-ea"/>
+            </a:endParaRPr>
           </a:p>
           <a:p>
             <a:pPr marL="0" indent="0" algn="l">
@@ -10959,6 +11123,9 @@
               </a:rPr>
               <a:t>並加上 –net </a:t>
             </a:r>
+            <a:endParaRPr sz="1800">
+              <a:sym typeface="+mn-ea"/>
+            </a:endParaRPr>
           </a:p>
           <a:p>
             <a:pPr marL="0" indent="0" algn="l">
@@ -10976,6 +11143,9 @@
               </a:rPr>
               <a:t>--net pytosql 的參數</a:t>
             </a:r>
+            <a:endParaRPr sz="1800">
+              <a:sym typeface="+mn-ea"/>
+            </a:endParaRPr>
           </a:p>
           <a:p>
             <a:pPr marL="0" indent="0" algn="l">
@@ -11001,6 +11171,9 @@
               </a:rPr>
               <a:t>這是讓python以及mysql 吃到同一個 網路的設定</a:t>
             </a:r>
+            <a:endParaRPr sz="1800">
+              <a:sym typeface="+mn-ea"/>
+            </a:endParaRPr>
           </a:p>
         </p:txBody>
       </p:sp>
@@ -11063,6 +11236,7 @@
               <a:rPr lang="en-US"/>
               <a:t>(6)</a:t>
             </a:r>
+            <a:endParaRPr lang="en-US"/>
           </a:p>
         </p:txBody>
       </p:sp>
@@ -11101,6 +11275,9 @@
               </a:rPr>
               <a:t>：</a:t>
             </a:r>
+            <a:endParaRPr sz="1800">
+              <a:sym typeface="+mn-ea"/>
+            </a:endParaRPr>
           </a:p>
           <a:p>
             <a:pPr marL="0" indent="0" algn="l">
@@ -11112,6 +11289,9 @@
               </a:rPr>
               <a:t>步驟7</a:t>
             </a:r>
+            <a:endParaRPr sz="1800">
+              <a:sym typeface="+mn-ea"/>
+            </a:endParaRPr>
           </a:p>
           <a:p>
             <a:pPr marL="0" indent="0" algn="l">
@@ -11129,6 +11309,9 @@
               </a:rPr>
               <a:t>執行步驟4 這時候就可以ping到mysql的容器服務</a:t>
             </a:r>
+            <a:endParaRPr sz="1800">
+              <a:sym typeface="+mn-ea"/>
+            </a:endParaRPr>
           </a:p>
           <a:p>
             <a:pPr marL="0" indent="0" algn="l">
@@ -11148,6 +11331,9 @@
               </a:rPr>
               <a:t>步驟8</a:t>
             </a:r>
+            <a:endParaRPr sz="1800">
+              <a:sym typeface="+mn-ea"/>
+            </a:endParaRPr>
           </a:p>
           <a:p>
             <a:pPr marL="0" indent="0" algn="l">
@@ -11165,6 +11351,9 @@
               </a:rPr>
               <a:t>測試python能不能抓到mysql資料 應該還是不行 因為還有最後一件事情要做</a:t>
             </a:r>
+            <a:endParaRPr sz="1800">
+              <a:sym typeface="+mn-ea"/>
+            </a:endParaRPr>
           </a:p>
           <a:p>
             <a:pPr marL="0" indent="0" algn="l">
@@ -11184,6 +11373,9 @@
               </a:rPr>
               <a:t>步驟9</a:t>
             </a:r>
+            <a:endParaRPr sz="1800">
+              <a:sym typeface="+mn-ea"/>
+            </a:endParaRPr>
           </a:p>
           <a:p>
             <a:pPr marL="0" indent="0" algn="l">
@@ -11201,6 +11393,9 @@
               </a:rPr>
               <a:t>修改程式碼內的db位置</a:t>
             </a:r>
+            <a:endParaRPr sz="1800">
+              <a:sym typeface="+mn-ea"/>
+            </a:endParaRPr>
           </a:p>
           <a:p>
             <a:pPr marL="0" indent="0" algn="l">
@@ -11218,6 +11413,9 @@
               </a:rPr>
               <a:t>一樣改成mysql容器的名稱 才可以抓到</a:t>
             </a:r>
+            <a:endParaRPr sz="1800">
+              <a:sym typeface="+mn-ea"/>
+            </a:endParaRPr>
           </a:p>
           <a:p>
             <a:pPr marL="0" indent="0" algn="l">
@@ -11243,6 +11441,9 @@
               </a:rPr>
               <a:t>10</a:t>
             </a:r>
+            <a:endParaRPr lang="en-US">
+              <a:sym typeface="+mn-ea"/>
+            </a:endParaRPr>
           </a:p>
           <a:p>
             <a:pPr marL="0" indent="0" algn="l">
@@ -11260,6 +11461,9 @@
               </a:rPr>
               <a:t>抓取資料成功</a:t>
             </a:r>
+            <a:endParaRPr lang="zh-TW" altLang="en-US" sz="1800">
+              <a:sym typeface="+mn-ea"/>
+            </a:endParaRPr>
           </a:p>
         </p:txBody>
       </p:sp>
@@ -11358,6 +11562,7 @@
               <a:rPr lang="en-US" altLang="zh-TW" dirty="0"/>
               <a:t>Dockerfile</a:t>
             </a:r>
+            <a:endParaRPr lang="en-US" altLang="zh-TW" dirty="0"/>
           </a:p>
           <a:p>
             <a:pPr algn="l"/>
@@ -11373,6 +11578,7 @@
               <a:rPr lang="zh-TW" altLang="en-US" dirty="0"/>
               <a:t>給其他人使用</a:t>
             </a:r>
+            <a:endParaRPr lang="zh-TW" altLang="en-US" dirty="0"/>
           </a:p>
           <a:p>
             <a:pPr algn="l"/>
@@ -11393,10 +11599,6 @@
                 <a:sym typeface="+mn-ea"/>
               </a:rPr>
               <a:t>學習容器與容器之間的網路溝通</a:t>
-            </a:r>
-            <a:r>
-              <a:rPr lang="en-US" altLang="zh-TW" dirty="0"/>
-              <a:t/>
             </a:r>
             <a:br>
               <a:rPr lang="en-US" altLang="zh-TW" dirty="0"/>
@@ -11459,10 +11661,6 @@
             <a:r>
               <a:rPr lang="zh-TW" altLang="en-US" dirty="0" smtClean="0"/>
               <a:t>一下</a:t>
-            </a:r>
-            <a:r>
-              <a:rPr lang="en-US" altLang="zh-TW" dirty="0" smtClean="0"/>
-              <a:t/>
             </a:r>
             <a:br>
               <a:rPr lang="en-US" altLang="zh-TW" dirty="0" smtClean="0"/>
@@ -11562,6 +11760,9 @@
               </a:rPr>
               <a:t>docker --net</a:t>
             </a:r>
+            <a:endParaRPr lang="en-US">
+              <a:sym typeface="+mn-ea"/>
+            </a:endParaRPr>
           </a:p>
         </p:txBody>
       </p:sp>
@@ -11729,6 +11930,9 @@
               </a:rPr>
               <a:t>docker --net</a:t>
             </a:r>
+            <a:endParaRPr lang="en-US">
+              <a:sym typeface="+mn-ea"/>
+            </a:endParaRPr>
           </a:p>
         </p:txBody>
       </p:sp>
@@ -11823,6 +12027,9 @@
               </a:rPr>
               <a:t>：</a:t>
             </a:r>
+            <a:endParaRPr sz="1600">
+              <a:sym typeface="+mn-ea"/>
+            </a:endParaRPr>
           </a:p>
           <a:p>
             <a:pPr marL="457200" lvl="1" indent="0" algn="l">
@@ -11834,6 +12041,9 @@
               </a:rPr>
               <a:t>一個 Docker Network 就像一個「池塘」，</a:t>
             </a:r>
+            <a:endParaRPr sz="1600">
+              <a:sym typeface="+mn-ea"/>
+            </a:endParaRPr>
           </a:p>
           <a:p>
             <a:pPr marL="457200" lvl="1" indent="0" algn="l">
@@ -11845,6 +12055,9 @@
               </a:rPr>
               <a:t>每個放進去的「容器」都在同一個池塘裡游，</a:t>
             </a:r>
+            <a:endParaRPr sz="1600">
+              <a:sym typeface="+mn-ea"/>
+            </a:endParaRPr>
           </a:p>
           <a:p>
             <a:pPr marL="457200" lvl="1" indent="0" algn="l">
@@ -11856,6 +12069,9 @@
               </a:rPr>
               <a:t>所以它們之間可以互相連線、交換資料，</a:t>
             </a:r>
+            <a:endParaRPr sz="1600">
+              <a:sym typeface="+mn-ea"/>
+            </a:endParaRPr>
           </a:p>
           <a:p>
             <a:pPr marL="457200" lvl="1" indent="0" algn="l">
@@ -11867,6 +12083,9 @@
               </a:rPr>
               <a:t>但池塘外的世界（主機或外部網路）看不到裡面的容器。</a:t>
             </a:r>
+            <a:endParaRPr sz="1600">
+              <a:sym typeface="+mn-ea"/>
+            </a:endParaRPr>
           </a:p>
           <a:p>
             <a:pPr lvl="1" algn="l"/>
@@ -11885,7 +12104,7 @@
           <p:nvPr/>
         </p:nvPicPr>
         <p:blipFill>
-          <a:blip r:embed="rId2"/>
+          <a:blip r:embed="rId1"/>
           <a:stretch>
             <a:fillRect/>
           </a:stretch>
@@ -11982,12 +12201,6 @@
               </a:rPr>
               <a:t>)</a:t>
             </a:r>
-            <a:r>
-              <a:rPr lang="en-US" dirty="0">
-                <a:sym typeface="+mn-ea"/>
-              </a:rPr>
-              <a:t/>
-            </a:r>
             <a:br>
               <a:rPr lang="en-US" dirty="0">
                 <a:sym typeface="+mn-ea"/>
@@ -12011,6 +12224,9 @@
               </a:rPr>
               <a:t>不推薦使用</a:t>
             </a:r>
+            <a:endParaRPr lang="zh-TW" altLang="en-US" dirty="0">
+              <a:sym typeface="+mn-ea"/>
+            </a:endParaRPr>
           </a:p>
         </p:txBody>
       </p:sp>
@@ -12053,6 +12269,7 @@
               <a:rPr dirty="0"/>
               <a:t>：</a:t>
             </a:r>
+            <a:endParaRPr dirty="0"/>
           </a:p>
           <a:p>
             <a:pPr algn="l"/>
@@ -12088,6 +12305,7 @@
               <a:rPr dirty="0"/>
               <a:t>：</a:t>
             </a:r>
+            <a:endParaRPr dirty="0"/>
           </a:p>
           <a:p>
             <a:pPr algn="l"/>
@@ -12107,6 +12325,7 @@
               <a:rPr dirty="0"/>
               <a:t> IP）。</a:t>
             </a:r>
+            <a:endParaRPr dirty="0"/>
           </a:p>
           <a:p>
             <a:pPr algn="l"/>
@@ -12126,6 +12345,7 @@
               <a:rPr dirty="0"/>
               <a:t>。</a:t>
             </a:r>
+            <a:endParaRPr dirty="0"/>
           </a:p>
           <a:p>
             <a:pPr algn="l"/>
@@ -12145,6 +12365,7 @@
               <a:rPr dirty="0"/>
               <a:t>：</a:t>
             </a:r>
+            <a:endParaRPr dirty="0"/>
           </a:p>
           <a:p>
             <a:pPr algn="l"/>
@@ -12160,6 +12381,7 @@
               <a:rPr dirty="0"/>
               <a:t>。</a:t>
             </a:r>
+            <a:endParaRPr dirty="0"/>
           </a:p>
           <a:p>
             <a:pPr algn="l"/>
@@ -12179,6 +12401,7 @@
               <a:rPr dirty="0"/>
               <a:t>。</a:t>
             </a:r>
+            <a:endParaRPr dirty="0"/>
           </a:p>
           <a:p>
             <a:pPr algn="l"/>
@@ -12190,6 +12413,7 @@
               <a:rPr dirty="0"/>
               <a:t>）」</a:t>
             </a:r>
+            <a:endParaRPr dirty="0"/>
           </a:p>
           <a:p>
             <a:pPr algn="l"/>
@@ -12221,6 +12445,7 @@
               <a:rPr lang="zh-TW" altLang="en-US" dirty="0"/>
               <a:t>容器</a:t>
             </a:r>
+            <a:endParaRPr lang="zh-TW" altLang="en-US" dirty="0"/>
           </a:p>
           <a:p>
             <a:pPr algn="l"/>
@@ -12228,6 +12453,7 @@
               <a:rPr lang="zh-TW" altLang="en-US" dirty="0"/>
               <a:t>docker run -it --rm --name a \</a:t>
             </a:r>
+            <a:endParaRPr lang="zh-TW" altLang="en-US" dirty="0"/>
           </a:p>
           <a:p>
             <a:pPr algn="l"/>
@@ -12235,6 +12461,7 @@
               <a:rPr lang="zh-TW" altLang="en-US" dirty="0"/>
               <a:t>  --link b:bsvc \</a:t>
             </a:r>
+            <a:endParaRPr lang="zh-TW" altLang="en-US" dirty="0"/>
           </a:p>
           <a:p>
             <a:pPr algn="l"/>
@@ -12242,6 +12469,7 @@
               <a:rPr lang="zh-TW" altLang="en-US" dirty="0"/>
               <a:t>  --link c:csvc \</a:t>
             </a:r>
+            <a:endParaRPr lang="zh-TW" altLang="en-US" dirty="0"/>
           </a:p>
           <a:p>
             <a:pPr algn="l"/>
@@ -12249,6 +12477,7 @@
               <a:rPr lang="zh-TW" altLang="en-US" dirty="0"/>
               <a:t>  busybox sh</a:t>
             </a:r>
+            <a:endParaRPr lang="zh-TW" altLang="en-US" dirty="0"/>
           </a:p>
         </p:txBody>
       </p:sp>
@@ -12433,6 +12662,7 @@
               <a:rPr lang="zh-TW" altLang="en-US" dirty="0"/>
               <a:t>看到）。</a:t>
             </a:r>
+            <a:endParaRPr lang="zh-TW" altLang="en-US" dirty="0"/>
           </a:p>
           <a:p>
             <a:r>
@@ -12451,6 +12681,7 @@
               <a:rPr lang="zh-TW" altLang="en-US" dirty="0"/>
               <a:t>。</a:t>
             </a:r>
+            <a:endParaRPr lang="zh-TW" altLang="en-US" dirty="0"/>
           </a:p>
         </p:txBody>
       </p:sp>
@@ -12518,6 +12749,7 @@
               <a:rPr lang="zh-TW" altLang="en-US" dirty="0"/>
               <a:t>指令運用</a:t>
             </a:r>
+            <a:endParaRPr lang="zh-TW" altLang="en-US" dirty="0"/>
           </a:p>
         </p:txBody>
       </p:sp>
@@ -12690,7 +12922,7 @@
           <p:nvPr/>
         </p:nvPicPr>
         <p:blipFill>
-          <a:blip r:embed="rId2"/>
+          <a:blip r:embed="rId1"/>
           <a:stretch>
             <a:fillRect/>
           </a:stretch>
@@ -12714,7 +12946,7 @@
           <p:nvPr/>
         </p:nvPicPr>
         <p:blipFill>
-          <a:blip r:embed="rId3"/>
+          <a:blip r:embed="rId2"/>
           <a:stretch>
             <a:fillRect/>
           </a:stretch>
@@ -12797,6 +13029,7 @@
               <a:rPr lang="zh-TW" altLang="en-US" dirty="0"/>
               <a:t>指令運用</a:t>
             </a:r>
+            <a:endParaRPr lang="zh-TW" altLang="en-US" dirty="0"/>
           </a:p>
         </p:txBody>
       </p:sp>
@@ -12840,6 +13073,7 @@
               <a:rPr lang="en-US" altLang="zh-TW" dirty="0"/>
               <a:t> alpine echo "Hello World"</a:t>
             </a:r>
+            <a:endParaRPr lang="en-US" altLang="zh-TW" dirty="0"/>
           </a:p>
           <a:p>
             <a:endParaRPr lang="en-US" altLang="zh-TW" dirty="0" smtClean="0"/>
@@ -12996,7 +13230,7 @@
           <p:nvPr/>
         </p:nvPicPr>
         <p:blipFill>
-          <a:blip r:embed="rId2"/>
+          <a:blip r:embed="rId1"/>
           <a:stretch>
             <a:fillRect/>
           </a:stretch>
@@ -13062,6 +13296,7 @@
               <a:rPr lang="zh-TW" altLang="en-US" dirty="0"/>
               <a:t>實務練習</a:t>
             </a:r>
+            <a:endParaRPr lang="zh-TW" altLang="en-US" dirty="0"/>
           </a:p>
         </p:txBody>
       </p:sp>
@@ -13097,6 +13332,7 @@
               <a:rPr lang="en-US" altLang="zh-TW" dirty="0" smtClean="0"/>
               <a:t>image</a:t>
             </a:r>
+            <a:endParaRPr lang="en-US" altLang="zh-TW" dirty="0" smtClean="0"/>
           </a:p>
           <a:p>
             <a:pPr algn="l"/>
@@ -13172,6 +13408,7 @@
               <a:rPr lang="zh-TW" altLang="en-US" dirty="0"/>
               <a:t>一次性</a:t>
             </a:r>
+            <a:endParaRPr lang="zh-TW" altLang="en-US" dirty="0"/>
           </a:p>
         </p:txBody>
       </p:sp>
@@ -13354,6 +13591,7 @@
               <a:rPr lang="zh-TW" altLang="en-US" dirty="0"/>
               <a:t>專案</a:t>
             </a:r>
+            <a:endParaRPr lang="zh-TW" altLang="en-US" dirty="0"/>
           </a:p>
           <a:p>
             <a:r>
@@ -13496,6 +13734,7 @@
               <a:rPr lang="en-US" altLang="zh-TW" dirty="0" smtClean="0"/>
               <a:t>(1)</a:t>
             </a:r>
+            <a:endParaRPr lang="en-US" altLang="zh-TW" dirty="0" smtClean="0"/>
           </a:p>
         </p:txBody>
       </p:sp>
@@ -13552,6 +13791,7 @@
               <a:rPr dirty="0"/>
               <a:t>）。</a:t>
             </a:r>
+            <a:endParaRPr dirty="0"/>
           </a:p>
           <a:p>
             <a:pPr algn="l"/>
@@ -13563,6 +13803,7 @@
               <a:rPr dirty="0"/>
               <a:t>。</a:t>
             </a:r>
+            <a:endParaRPr dirty="0"/>
           </a:p>
           <a:p>
             <a:pPr algn="l"/>
@@ -13614,6 +13855,7 @@
               <a:rPr dirty="0"/>
               <a:t>。</a:t>
             </a:r>
+            <a:endParaRPr dirty="0"/>
           </a:p>
           <a:p>
             <a:pPr algn="l"/>
@@ -13641,6 +13883,7 @@
               <a:rPr dirty="0"/>
               <a:t>。</a:t>
             </a:r>
+            <a:endParaRPr dirty="0"/>
           </a:p>
         </p:txBody>
       </p:sp>
@@ -13653,7 +13896,7 @@
           <p:nvPr/>
         </p:nvPicPr>
         <p:blipFill>
-          <a:blip r:embed="rId2"/>
+          <a:blip r:embed="rId1"/>
           <a:stretch>
             <a:fillRect/>
           </a:stretch>
@@ -13741,6 +13984,12 @@
               </a:rPr>
               <a:t>詳解</a:t>
             </a:r>
+            <a:endParaRPr lang="zh-TW" altLang="en-US" dirty="0" err="1">
+              <a:solidFill>
+                <a:schemeClr val="accent1"/>
+              </a:solidFill>
+              <a:sym typeface="+mn-ea"/>
+            </a:endParaRPr>
           </a:p>
         </p:txBody>
       </p:sp>
@@ -13763,12 +14012,14 @@
               <a:rPr lang="zh-TW" altLang="en-US"/>
               <a:t>1. 為什麼要用 Volume？</a:t>
             </a:r>
+            <a:endParaRPr lang="zh-TW" altLang="en-US"/>
           </a:p>
           <a:p>
             <a:r>
               <a:rPr lang="zh-TW" altLang="en-US"/>
               <a:t>容器是「一次性」的，容器刪了資料就沒了。Volume 是 Docker 提供的「持久化儲存」方案，讓資料不會跟著容器一起消失，並且在多容器之間共享資料更安全、可控、可備份。</a:t>
             </a:r>
+            <a:endParaRPr lang="zh-TW" altLang="en-US"/>
           </a:p>
           <a:p>
             <a:endParaRPr lang="zh-TW" altLang="en-US"/>
@@ -13857,6 +14108,12 @@
               </a:rPr>
               <a:t>詳解</a:t>
             </a:r>
+            <a:endParaRPr lang="zh-TW" altLang="en-US" dirty="0" err="1">
+              <a:solidFill>
+                <a:schemeClr val="accent1"/>
+              </a:solidFill>
+              <a:sym typeface="+mn-ea"/>
+            </a:endParaRPr>
           </a:p>
         </p:txBody>
       </p:sp>
@@ -13904,6 +14161,7 @@
               <a:rPr lang="zh-TW" altLang="en-US"/>
               <a:t>收件人</a:t>
             </a:r>
+            <a:endParaRPr lang="zh-TW" altLang="en-US"/>
           </a:p>
           <a:p>
             <a:endParaRPr lang="zh-TW" altLang="en-US"/>
@@ -13913,12 +14171,14 @@
               <a:rPr lang="zh-TW" altLang="en-US"/>
               <a:t>具名掛載的方式是在容器與宿主</a:t>
             </a:r>
+            <a:endParaRPr lang="zh-TW" altLang="en-US"/>
           </a:p>
           <a:p>
             <a:r>
               <a:rPr lang="zh-TW" altLang="en-US"/>
               <a:t>中間再建一個共通資料夾，像是</a:t>
             </a:r>
+            <a:endParaRPr lang="zh-TW" altLang="en-US"/>
           </a:p>
           <a:p>
             <a:r>
@@ -13940,6 +14200,7 @@
               <a:rPr lang="zh-TW" altLang="en-US"/>
               <a:t>也都沒了</a:t>
             </a:r>
+            <a:endParaRPr lang="zh-TW" altLang="en-US"/>
           </a:p>
           <a:p>
             <a:endParaRPr lang="zh-TW" altLang="en-US"/>
@@ -13964,7 +14225,7 @@
           <p:nvPr/>
         </p:nvPicPr>
         <p:blipFill>
-          <a:blip r:embed="rId2"/>
+          <a:blip r:embed="rId1"/>
           <a:stretch>
             <a:fillRect/>
           </a:stretch>
@@ -14052,6 +14313,12 @@
               </a:rPr>
               <a:t>詳解</a:t>
             </a:r>
+            <a:endParaRPr lang="zh-TW" altLang="en-US" dirty="0" err="1">
+              <a:solidFill>
+                <a:schemeClr val="accent1"/>
+              </a:solidFill>
+              <a:sym typeface="+mn-ea"/>
+            </a:endParaRPr>
           </a:p>
         </p:txBody>
       </p:sp>
@@ -14106,6 +14373,7 @@
               <a:rPr lang="zh-TW" altLang="en-US"/>
               <a:t>容器出來</a:t>
             </a:r>
+            <a:endParaRPr lang="zh-TW" altLang="en-US"/>
           </a:p>
           <a:p>
             <a:pPr marL="0" indent="0">
@@ -14147,6 +14415,7 @@
               <a:rPr lang="zh-TW" altLang="en-US" dirty="0"/>
               <a:t>建立指令</a:t>
             </a:r>
+            <a:endParaRPr lang="zh-TW" altLang="en-US" dirty="0"/>
           </a:p>
           <a:p>
             <a:pPr marL="0" indent="0">
@@ -14734,6 +15003,13 @@
               </a:rPr>
               <a:t>的檔案</a:t>
             </a:r>
+            <a:endParaRPr lang="zh-TW" altLang="en-US" dirty="0" err="1">
+              <a:solidFill>
+                <a:schemeClr val="tx1"/>
+              </a:solidFill>
+              <a:effectLst/>
+              <a:sym typeface="+mn-ea"/>
+            </a:endParaRPr>
           </a:p>
           <a:p>
             <a:pPr marL="0" indent="0">
@@ -14829,6 +15105,13 @@
               </a:rPr>
               <a:t>的檔案</a:t>
             </a:r>
+            <a:endParaRPr lang="zh-TW" altLang="en-US" dirty="0" err="1">
+              <a:solidFill>
+                <a:schemeClr val="tx1"/>
+              </a:solidFill>
+              <a:effectLst/>
+              <a:sym typeface="+mn-ea"/>
+            </a:endParaRPr>
           </a:p>
         </p:txBody>
       </p:sp>
@@ -14910,6 +15193,12 @@
               </a:rPr>
               <a:t>詳解</a:t>
             </a:r>
+            <a:endParaRPr lang="zh-TW" altLang="en-US" dirty="0" err="1">
+              <a:solidFill>
+                <a:schemeClr val="accent1"/>
+              </a:solidFill>
+              <a:sym typeface="+mn-ea"/>
+            </a:endParaRPr>
           </a:p>
         </p:txBody>
       </p:sp>
@@ -14944,6 +15233,9 @@
               </a:rPr>
               <a:t>具名掛載 </a:t>
             </a:r>
+            <a:endParaRPr lang="zh-TW" altLang="en-US">
+              <a:sym typeface="+mn-ea"/>
+            </a:endParaRPr>
           </a:p>
           <a:p>
             <a:pPr marL="0" indent="0">
@@ -14961,6 +15253,9 @@
               </a:rPr>
               <a:t>查看目前所有的掛載</a:t>
             </a:r>
+            <a:endParaRPr lang="zh-TW" altLang="en-US">
+              <a:sym typeface="+mn-ea"/>
+            </a:endParaRPr>
           </a:p>
           <a:p>
             <a:pPr marL="0" indent="0">
@@ -14987,6 +15282,9 @@
               </a:rPr>
               <a:t>建立新的掛載 </a:t>
             </a:r>
+            <a:endParaRPr lang="zh-TW" altLang="en-US">
+              <a:sym typeface="+mn-ea"/>
+            </a:endParaRPr>
           </a:p>
           <a:p>
             <a:pPr marL="0" indent="0">
@@ -15004,6 +15302,9 @@
               </a:rPr>
               <a:t>查看新建的有存在</a:t>
             </a:r>
+            <a:endParaRPr lang="zh-TW" altLang="en-US">
+              <a:sym typeface="+mn-ea"/>
+            </a:endParaRPr>
           </a:p>
           <a:p>
             <a:pPr marL="0" indent="0">
@@ -15041,6 +15342,7 @@
               <a:rPr lang="zh-TW" altLang="en-US" dirty="0"/>
               <a:t>建立指令</a:t>
             </a:r>
+            <a:endParaRPr lang="zh-TW" altLang="en-US" dirty="0"/>
           </a:p>
           <a:p>
             <a:pPr marL="0" indent="0">
@@ -15446,6 +15748,9 @@
               </a:rPr>
               <a:t>確認存在</a:t>
             </a:r>
+            <a:endParaRPr lang="zh-TW" altLang="en-US" dirty="0">
+              <a:effectLst/>
+            </a:endParaRPr>
           </a:p>
         </p:txBody>
       </p:sp>
@@ -15458,15 +15763,15 @@
           <p:nvPr/>
         </p:nvPicPr>
         <p:blipFill>
-          <a:blip r:embed="rId2"/>
+          <a:blip r:embed="rId1"/>
           <a:stretch>
             <a:fillRect/>
           </a:stretch>
         </p:blipFill>
         <p:spPr>
           <a:xfrm>
-            <a:off x="6301105" y="3976370"/>
-            <a:ext cx="5800725" cy="2686685"/>
+            <a:off x="6527165" y="4060825"/>
+            <a:ext cx="5565775" cy="2686685"/>
           </a:xfrm>
           <a:prstGeom prst="rect">
             <a:avLst/>
@@ -15551,6 +15856,12 @@
               </a:rPr>
               <a:t>詳解</a:t>
             </a:r>
+            <a:endParaRPr lang="zh-TW" altLang="en-US" dirty="0" err="1">
+              <a:solidFill>
+                <a:schemeClr val="accent1"/>
+              </a:solidFill>
+              <a:sym typeface="+mn-ea"/>
+            </a:endParaRPr>
           </a:p>
         </p:txBody>
       </p:sp>
@@ -15565,7 +15876,7 @@
           </p:nvPr>
         </p:nvPicPr>
         <p:blipFill>
-          <a:blip r:embed="rId2"/>
+          <a:blip r:embed="rId1"/>
           <a:stretch>
             <a:fillRect/>
           </a:stretch>
@@ -15644,6 +15955,7 @@
               <a:rPr lang="zh-TW" altLang="en-US" dirty="0"/>
               <a:t>介紹</a:t>
             </a:r>
+            <a:endParaRPr lang="zh-TW" altLang="en-US" dirty="0"/>
           </a:p>
         </p:txBody>
       </p:sp>
@@ -15708,6 +16020,16 @@
               </a:rPr>
               <a:t>？</a:t>
             </a:r>
+            <a:endParaRPr lang="zh-HK" altLang="en-US" sz="1500" dirty="0">
+              <a:solidFill>
+                <a:schemeClr val="tx1">
+                  <a:lumMod val="75000"/>
+                  <a:lumOff val="25000"/>
+                </a:schemeClr>
+              </a:solidFill>
+              <a:uFillTx/>
+              <a:sym typeface="+mn-ea"/>
+            </a:endParaRPr>
           </a:p>
           <a:p>
             <a:r>
@@ -15723,6 +16045,16 @@
               </a:rPr>
               <a:t>一句話版本：</a:t>
             </a:r>
+            <a:endParaRPr lang="zh-HK" altLang="en-US" sz="1500" dirty="0">
+              <a:solidFill>
+                <a:schemeClr val="tx1">
+                  <a:lumMod val="75000"/>
+                  <a:lumOff val="25000"/>
+                </a:schemeClr>
+              </a:solidFill>
+              <a:uFillTx/>
+              <a:sym typeface="+mn-ea"/>
+            </a:endParaRPr>
           </a:p>
           <a:p>
             <a:r>
@@ -15829,6 +16161,16 @@
               </a:rPr>
               <a:t>）</a:t>
             </a:r>
+            <a:endParaRPr lang="zh-HK" altLang="en-US" sz="1500" dirty="0">
+              <a:solidFill>
+                <a:schemeClr val="tx1">
+                  <a:lumMod val="75000"/>
+                  <a:lumOff val="25000"/>
+                </a:schemeClr>
+              </a:solidFill>
+              <a:uFillTx/>
+              <a:sym typeface="+mn-ea"/>
+            </a:endParaRPr>
           </a:p>
           <a:p>
             <a:r>
@@ -16022,6 +16364,16 @@
               </a:rPr>
               <a:t>）：負責伺服器、上線、監控</a:t>
             </a:r>
+            <a:endParaRPr lang="zh-HK" altLang="en-US" sz="1500" dirty="0">
+              <a:solidFill>
+                <a:schemeClr val="tx1">
+                  <a:lumMod val="75000"/>
+                  <a:lumOff val="25000"/>
+                </a:schemeClr>
+              </a:solidFill>
+              <a:uFillTx/>
+              <a:sym typeface="+mn-ea"/>
+            </a:endParaRPr>
           </a:p>
           <a:p>
             <a:r>
@@ -16062,6 +16414,16 @@
               </a:rPr>
               <a:t>「我程式在我電腦能跑啊！」</a:t>
             </a:r>
+            <a:endParaRPr lang="zh-HK" altLang="en-US" sz="1500" dirty="0">
+              <a:solidFill>
+                <a:schemeClr val="tx1">
+                  <a:lumMod val="75000"/>
+                  <a:lumOff val="25000"/>
+                </a:schemeClr>
+              </a:solidFill>
+              <a:uFillTx/>
+              <a:sym typeface="+mn-ea"/>
+            </a:endParaRPr>
           </a:p>
           <a:p>
             <a:r>
@@ -16077,6 +16439,16 @@
               </a:rPr>
               <a:t>「可是在伺服器上就壞掉啊！」</a:t>
             </a:r>
+            <a:endParaRPr lang="zh-HK" altLang="en-US" sz="1500" dirty="0">
+              <a:solidFill>
+                <a:schemeClr val="tx1">
+                  <a:lumMod val="75000"/>
+                  <a:lumOff val="25000"/>
+                </a:schemeClr>
+              </a:solidFill>
+              <a:uFillTx/>
+              <a:sym typeface="+mn-ea"/>
+            </a:endParaRPr>
           </a:p>
           <a:p>
             <a:r>
@@ -16257,6 +16629,16 @@
               </a:rPr>
               <a:t>它透過工具與流程自動化，減少人為失誤、縮短開發到上線的時間。</a:t>
             </a:r>
+            <a:endParaRPr lang="zh-HK" altLang="en-US" sz="1500" dirty="0">
+              <a:solidFill>
+                <a:schemeClr val="tx1">
+                  <a:lumMod val="75000"/>
+                  <a:lumOff val="25000"/>
+                </a:schemeClr>
+              </a:solidFill>
+              <a:uFillTx/>
+              <a:sym typeface="+mn-ea"/>
+            </a:endParaRPr>
           </a:p>
         </p:txBody>
       </p:sp>
@@ -16336,6 +16718,12 @@
               </a:rPr>
               <a:t>DevOps vs SRE</a:t>
             </a:r>
+            <a:endParaRPr lang="en-US" altLang="zh-HK" sz="2400" dirty="0">
+              <a:solidFill>
+                <a:schemeClr val="accent1"/>
+              </a:solidFill>
+              <a:uFillTx/>
+            </a:endParaRPr>
           </a:p>
         </p:txBody>
       </p:sp>
@@ -16413,6 +16801,16 @@
               </a:rPr>
               <a:t>是實踐。</a:t>
             </a:r>
+            <a:endParaRPr lang="zh-HK" altLang="en-US" sz="1500" dirty="0">
+              <a:solidFill>
+                <a:schemeClr val="tx1">
+                  <a:lumMod val="75000"/>
+                  <a:lumOff val="25000"/>
+                </a:schemeClr>
+              </a:solidFill>
+              <a:uFillTx/>
+              <a:sym typeface="+mn-ea"/>
+            </a:endParaRPr>
           </a:p>
           <a:p>
             <a:r>
@@ -16441,6 +16839,16 @@
               </a:rPr>
               <a:t>提倡「開發與運維合作」的文化，</a:t>
             </a:r>
+            <a:endParaRPr lang="zh-HK" altLang="en-US" sz="1500" dirty="0">
+              <a:solidFill>
+                <a:schemeClr val="tx1">
+                  <a:lumMod val="75000"/>
+                  <a:lumOff val="25000"/>
+                </a:schemeClr>
+              </a:solidFill>
+              <a:uFillTx/>
+              <a:sym typeface="+mn-ea"/>
+            </a:endParaRPr>
           </a:p>
           <a:p>
             <a:r>
@@ -16495,6 +16903,16 @@
               </a:rPr>
               <a:t>把這個理念「工程化、制度化」的一種具體做法。</a:t>
             </a:r>
+            <a:endParaRPr lang="zh-HK" altLang="en-US" sz="1500" dirty="0">
+              <a:solidFill>
+                <a:schemeClr val="tx1">
+                  <a:lumMod val="75000"/>
+                  <a:lumOff val="25000"/>
+                </a:schemeClr>
+              </a:solidFill>
+              <a:uFillTx/>
+              <a:sym typeface="+mn-ea"/>
+            </a:endParaRPr>
           </a:p>
           <a:p>
             <a:endParaRPr lang="en-US" altLang="zh-HK" sz="1500" dirty="0">
@@ -16548,6 +16966,16 @@
               </a:rPr>
               <a:t>定義</a:t>
             </a:r>
+            <a:endParaRPr lang="zh-HK" altLang="en-US" sz="1500" dirty="0">
+              <a:solidFill>
+                <a:schemeClr val="tx1">
+                  <a:lumMod val="75000"/>
+                  <a:lumOff val="25000"/>
+                </a:schemeClr>
+              </a:solidFill>
+              <a:uFillTx/>
+              <a:sym typeface="+mn-ea"/>
+            </a:endParaRPr>
           </a:p>
           <a:p>
             <a:r>
@@ -16576,6 +17004,16 @@
               </a:rPr>
               <a:t>一種文化與流程理念，希望開發和運維協作、自動化、快速交付。</a:t>
             </a:r>
+            <a:endParaRPr lang="zh-HK" altLang="en-US" sz="1500" dirty="0">
+              <a:solidFill>
+                <a:schemeClr val="tx1">
+                  <a:lumMod val="75000"/>
+                  <a:lumOff val="25000"/>
+                </a:schemeClr>
+              </a:solidFill>
+              <a:uFillTx/>
+              <a:sym typeface="+mn-ea"/>
+            </a:endParaRPr>
           </a:p>
           <a:p>
             <a:r>
@@ -16604,6 +17042,16 @@
               </a:rPr>
               <a:t>一個實作方法論與職位角色，以工程方式確保系統的可靠性、可用性。</a:t>
             </a:r>
+            <a:endParaRPr lang="zh-HK" altLang="en-US" sz="1500" dirty="0">
+              <a:solidFill>
+                <a:schemeClr val="tx1">
+                  <a:lumMod val="75000"/>
+                  <a:lumOff val="25000"/>
+                </a:schemeClr>
+              </a:solidFill>
+              <a:uFillTx/>
+              <a:sym typeface="+mn-ea"/>
+            </a:endParaRPr>
           </a:p>
         </p:txBody>
       </p:sp>
@@ -16683,6 +17131,12 @@
               </a:rPr>
               <a:t>四大領域</a:t>
             </a:r>
+            <a:endParaRPr lang="zh-TW" altLang="en-US" sz="2400" dirty="0">
+              <a:solidFill>
+                <a:schemeClr val="accent1"/>
+              </a:solidFill>
+              <a:uFillTx/>
+            </a:endParaRPr>
           </a:p>
         </p:txBody>
       </p:sp>
@@ -16734,6 +17188,16 @@
               </a:rPr>
               <a:t>主要領域有四個</a:t>
             </a:r>
+            <a:endParaRPr lang="zh-TW" altLang="en-US" sz="1500" dirty="0">
+              <a:solidFill>
+                <a:schemeClr val="tx1">
+                  <a:lumMod val="75000"/>
+                  <a:lumOff val="25000"/>
+                </a:schemeClr>
+              </a:solidFill>
+              <a:uFillTx/>
+              <a:sym typeface="+mn-ea"/>
+            </a:endParaRPr>
           </a:p>
           <a:p>
             <a:r>
@@ -16750,7 +17214,7 @@
               <a:t>☁</a:t>
             </a:r>
             <a:r>
-              <a:rPr lang="" altLang="en-US" sz="1500" dirty="0">
+              <a:rPr lang="en-US" altLang="en-US" sz="1500" dirty="0">
                 <a:solidFill>
                   <a:schemeClr val="tx1">
                     <a:lumMod val="75000"/>
@@ -16839,6 +17303,16 @@
               </a:rPr>
               <a:t>概念：</a:t>
             </a:r>
+            <a:endParaRPr lang="zh-HK" altLang="en-US" sz="1500" dirty="0">
+              <a:solidFill>
+                <a:schemeClr val="tx1">
+                  <a:lumMod val="75000"/>
+                  <a:lumOff val="25000"/>
+                </a:schemeClr>
+              </a:solidFill>
+              <a:uFillTx/>
+              <a:sym typeface="+mn-ea"/>
+            </a:endParaRPr>
           </a:p>
           <a:p>
             <a:r>
@@ -16932,6 +17406,16 @@
               </a:rPr>
               <a:t>這樣的雲端平台。</a:t>
             </a:r>
+            <a:endParaRPr lang="zh-HK" altLang="en-US" sz="1500" dirty="0">
+              <a:solidFill>
+                <a:schemeClr val="tx1">
+                  <a:lumMod val="75000"/>
+                  <a:lumOff val="25000"/>
+                </a:schemeClr>
+              </a:solidFill>
+              <a:uFillTx/>
+              <a:sym typeface="+mn-ea"/>
+            </a:endParaRPr>
           </a:p>
           <a:p>
             <a:r>
@@ -17023,6 +17507,16 @@
               </a:rPr>
               <a:t>彈性擴充（人多時自動加機器）</a:t>
             </a:r>
+            <a:endParaRPr lang="zh-HK" altLang="en-US" sz="1500" dirty="0">
+              <a:solidFill>
+                <a:schemeClr val="tx1">
+                  <a:lumMod val="75000"/>
+                  <a:lumOff val="25000"/>
+                </a:schemeClr>
+              </a:solidFill>
+              <a:uFillTx/>
+              <a:sym typeface="+mn-ea"/>
+            </a:endParaRPr>
           </a:p>
           <a:p>
             <a:r>
@@ -17088,6 +17582,16 @@
               </a:rPr>
               <a:t>代表技術：</a:t>
             </a:r>
+            <a:endParaRPr lang="zh-HK" altLang="en-US" sz="1500" dirty="0">
+              <a:solidFill>
+                <a:schemeClr val="tx1">
+                  <a:lumMod val="75000"/>
+                  <a:lumOff val="25000"/>
+                </a:schemeClr>
+              </a:solidFill>
+              <a:uFillTx/>
+              <a:sym typeface="+mn-ea"/>
+            </a:endParaRPr>
           </a:p>
           <a:p>
             <a:r>
@@ -17207,6 +17711,16 @@
               </a:rPr>
               <a:t>Docker</a:t>
             </a:r>
+            <a:endParaRPr lang="en-US" altLang="zh-HK" sz="1500" dirty="0">
+              <a:solidFill>
+                <a:schemeClr val="tx1">
+                  <a:lumMod val="75000"/>
+                  <a:lumOff val="25000"/>
+                </a:schemeClr>
+              </a:solidFill>
+              <a:uFillTx/>
+              <a:sym typeface="+mn-ea"/>
+            </a:endParaRPr>
           </a:p>
           <a:p>
             <a:r>
@@ -17235,6 +17749,16 @@
               </a:rPr>
               <a:t>GCP</a:t>
             </a:r>
+            <a:endParaRPr lang="en-US" altLang="zh-TW" sz="1500" dirty="0">
+              <a:solidFill>
+                <a:schemeClr val="tx1">
+                  <a:lumMod val="75000"/>
+                  <a:lumOff val="25000"/>
+                </a:schemeClr>
+              </a:solidFill>
+              <a:uFillTx/>
+              <a:sym typeface="+mn-ea"/>
+            </a:endParaRPr>
           </a:p>
         </p:txBody>
       </p:sp>
@@ -17314,6 +17838,12 @@
               </a:rPr>
               <a:t>四大領域</a:t>
             </a:r>
+            <a:endParaRPr lang="zh-TW" altLang="en-US" sz="2400" dirty="0">
+              <a:solidFill>
+                <a:schemeClr val="accent1"/>
+              </a:solidFill>
+              <a:uFillTx/>
+            </a:endParaRPr>
           </a:p>
         </p:txBody>
       </p:sp>
@@ -17455,6 +17985,16 @@
               </a:rPr>
               <a:t>概念：</a:t>
             </a:r>
+            <a:endParaRPr lang="zh-HK" altLang="en-US" sz="1500" dirty="0">
+              <a:solidFill>
+                <a:schemeClr val="tx1">
+                  <a:lumMod val="75000"/>
+                  <a:lumOff val="25000"/>
+                </a:schemeClr>
+              </a:solidFill>
+              <a:uFillTx/>
+              <a:sym typeface="+mn-ea"/>
+            </a:endParaRPr>
           </a:p>
           <a:p>
             <a:r>
@@ -17574,6 +18114,16 @@
               </a:rPr>
               <a:t>自動上線」整個過程全自動化。</a:t>
             </a:r>
+            <a:endParaRPr lang="zh-HK" altLang="en-US" sz="1500" dirty="0">
+              <a:solidFill>
+                <a:schemeClr val="tx1">
+                  <a:lumMod val="75000"/>
+                  <a:lumOff val="25000"/>
+                </a:schemeClr>
+              </a:solidFill>
+              <a:uFillTx/>
+              <a:sym typeface="+mn-ea"/>
+            </a:endParaRPr>
           </a:p>
           <a:p>
             <a:r>
@@ -17589,6 +18139,16 @@
               </a:rPr>
               <a:t>不需要每次都手動上傳或重啟伺服器。</a:t>
             </a:r>
+            <a:endParaRPr lang="zh-HK" altLang="en-US" sz="1500" dirty="0">
+              <a:solidFill>
+                <a:schemeClr val="tx1">
+                  <a:lumMod val="75000"/>
+                  <a:lumOff val="25000"/>
+                </a:schemeClr>
+              </a:solidFill>
+              <a:uFillTx/>
+              <a:sym typeface="+mn-ea"/>
+            </a:endParaRPr>
           </a:p>
           <a:p>
             <a:r>
@@ -17667,6 +18227,16 @@
               </a:rPr>
               <a:t> bug</a:t>
             </a:r>
+            <a:endParaRPr lang="en-US" altLang="zh-HK" sz="1500" dirty="0">
+              <a:solidFill>
+                <a:schemeClr val="tx1">
+                  <a:lumMod val="75000"/>
+                  <a:lumOff val="25000"/>
+                </a:schemeClr>
+              </a:solidFill>
+              <a:uFillTx/>
+              <a:sym typeface="+mn-ea"/>
+            </a:endParaRPr>
           </a:p>
           <a:p>
             <a:r>
@@ -17682,6 +18252,16 @@
               </a:rPr>
               <a:t>代表工具：</a:t>
             </a:r>
+            <a:endParaRPr lang="zh-HK" altLang="en-US" sz="1500" dirty="0">
+              <a:solidFill>
+                <a:schemeClr val="tx1">
+                  <a:lumMod val="75000"/>
+                  <a:lumOff val="25000"/>
+                </a:schemeClr>
+              </a:solidFill>
+              <a:uFillTx/>
+              <a:sym typeface="+mn-ea"/>
+            </a:endParaRPr>
           </a:p>
           <a:p>
             <a:r>
@@ -17775,6 +18355,16 @@
               </a:rPr>
               <a:t>Argo CD</a:t>
             </a:r>
+            <a:endParaRPr lang="en-US" altLang="zh-HK" sz="1500" dirty="0">
+              <a:solidFill>
+                <a:schemeClr val="tx1">
+                  <a:lumMod val="75000"/>
+                  <a:lumOff val="25000"/>
+                </a:schemeClr>
+              </a:solidFill>
+              <a:uFillTx/>
+              <a:sym typeface="+mn-ea"/>
+            </a:endParaRPr>
           </a:p>
           <a:p>
             <a:r>
@@ -17816,6 +18406,16 @@
               </a:rPr>
               <a:t>的使用方式</a:t>
             </a:r>
+            <a:endParaRPr lang="zh-TW" altLang="en-US" sz="1500" dirty="0">
+              <a:solidFill>
+                <a:schemeClr val="tx1">
+                  <a:lumMod val="75000"/>
+                  <a:lumOff val="25000"/>
+                </a:schemeClr>
+              </a:solidFill>
+              <a:uFillTx/>
+              <a:sym typeface="+mn-ea"/>
+            </a:endParaRPr>
           </a:p>
         </p:txBody>
       </p:sp>
@@ -17895,6 +18495,12 @@
               </a:rPr>
               <a:t>四大領域</a:t>
             </a:r>
+            <a:endParaRPr lang="zh-TW" altLang="en-US" sz="2400" dirty="0">
+              <a:solidFill>
+                <a:schemeClr val="accent1"/>
+              </a:solidFill>
+              <a:uFillTx/>
+            </a:endParaRPr>
           </a:p>
         </p:txBody>
       </p:sp>
@@ -18010,6 +18616,16 @@
               </a:rPr>
               <a:t>概念：</a:t>
             </a:r>
+            <a:endParaRPr lang="zh-HK" altLang="en-US" sz="1500" dirty="0">
+              <a:solidFill>
+                <a:schemeClr val="tx1">
+                  <a:lumMod val="75000"/>
+                  <a:lumOff val="25000"/>
+                </a:schemeClr>
+              </a:solidFill>
+              <a:uFillTx/>
+              <a:sym typeface="+mn-ea"/>
+            </a:endParaRPr>
           </a:p>
           <a:p>
             <a:r>
@@ -18025,6 +18641,16 @@
               </a:rPr>
               <a:t>系統在運行時會記錄發生的事情（例如使用者登入、錯誤、請求時間）。</a:t>
             </a:r>
+            <a:endParaRPr lang="zh-HK" altLang="en-US" sz="1500" dirty="0">
+              <a:solidFill>
+                <a:schemeClr val="tx1">
+                  <a:lumMod val="75000"/>
+                  <a:lumOff val="25000"/>
+                </a:schemeClr>
+              </a:solidFill>
+              <a:uFillTx/>
+              <a:sym typeface="+mn-ea"/>
+            </a:endParaRPr>
           </a:p>
           <a:p>
             <a:r>
@@ -18115,6 +18741,16 @@
               </a:rPr>
               <a:t>可分析使用者行為、效能瓶頸</a:t>
             </a:r>
+            <a:endParaRPr lang="zh-HK" altLang="en-US" sz="1500" dirty="0">
+              <a:solidFill>
+                <a:schemeClr val="tx1">
+                  <a:lumMod val="75000"/>
+                  <a:lumOff val="25000"/>
+                </a:schemeClr>
+              </a:solidFill>
+              <a:uFillTx/>
+              <a:sym typeface="+mn-ea"/>
+            </a:endParaRPr>
           </a:p>
           <a:p>
             <a:r>
@@ -18130,6 +18766,16 @@
               </a:rPr>
               <a:t>代表工具：</a:t>
             </a:r>
+            <a:endParaRPr lang="zh-HK" altLang="en-US" sz="1500" dirty="0">
+              <a:solidFill>
+                <a:schemeClr val="tx1">
+                  <a:lumMod val="75000"/>
+                  <a:lumOff val="25000"/>
+                </a:schemeClr>
+              </a:solidFill>
+              <a:uFillTx/>
+              <a:sym typeface="+mn-ea"/>
+            </a:endParaRPr>
           </a:p>
           <a:p>
             <a:r>
@@ -18275,6 +18921,16 @@
               </a:rPr>
               <a:t>Fluentd</a:t>
             </a:r>
+            <a:endParaRPr lang="en-US" altLang="zh-HK" sz="1500" dirty="0">
+              <a:solidFill>
+                <a:schemeClr val="tx1">
+                  <a:lumMod val="75000"/>
+                  <a:lumOff val="25000"/>
+                </a:schemeClr>
+              </a:solidFill>
+              <a:uFillTx/>
+              <a:sym typeface="+mn-ea"/>
+            </a:endParaRPr>
           </a:p>
         </p:txBody>
       </p:sp>
@@ -18360,6 +19016,9 @@
               </a:rPr>
               <a:t>建立文件</a:t>
             </a:r>
+            <a:endParaRPr lang="zh-TW" altLang="en-US" dirty="0" smtClean="0">
+              <a:sym typeface="+mn-ea"/>
+            </a:endParaRPr>
           </a:p>
         </p:txBody>
       </p:sp>
@@ -18425,18 +19084,21 @@
               <a:rPr lang="zh-TW" altLang="en-US" dirty="0"/>
               <a:t>文件</a:t>
             </a:r>
+            <a:endParaRPr lang="zh-TW" altLang="en-US" dirty="0"/>
           </a:p>
           <a:p>
             <a:r>
               <a:rPr lang="zh-TW" altLang="en-US" dirty="0"/>
               <a:t>FROM python:3.9-slim</a:t>
             </a:r>
+            <a:endParaRPr lang="zh-TW" altLang="en-US" dirty="0"/>
           </a:p>
           <a:p>
             <a:r>
               <a:rPr lang="zh-TW" altLang="en-US" dirty="0"/>
               <a:t>WORKDIR /app</a:t>
             </a:r>
+            <a:endParaRPr lang="zh-TW" altLang="en-US" dirty="0"/>
           </a:p>
           <a:p>
             <a:r>
@@ -18452,12 +19114,14 @@
               <a:rPr lang="zh-TW" altLang="en-US" dirty="0"/>
               <a:t>RUN pip install -r requirements.txt</a:t>
             </a:r>
+            <a:endParaRPr lang="zh-TW" altLang="en-US" dirty="0"/>
           </a:p>
           <a:p>
             <a:r>
               <a:rPr lang="zh-TW" altLang="en-US" dirty="0"/>
               <a:t>CMD ["python", "app.py"]</a:t>
             </a:r>
+            <a:endParaRPr lang="zh-TW" altLang="en-US" dirty="0"/>
           </a:p>
           <a:p>
             <a:endParaRPr lang="zh-TW" altLang="en-US" dirty="0"/>
@@ -18540,6 +19204,12 @@
               </a:rPr>
               <a:t>四大領域</a:t>
             </a:r>
+            <a:endParaRPr lang="zh-TW" altLang="en-US" sz="2400" dirty="0">
+              <a:solidFill>
+                <a:schemeClr val="accent1"/>
+              </a:solidFill>
+              <a:uFillTx/>
+            </a:endParaRPr>
           </a:p>
         </p:txBody>
       </p:sp>
@@ -18655,6 +19325,16 @@
               </a:rPr>
               <a:t>概念：</a:t>
             </a:r>
+            <a:endParaRPr lang="zh-HK" altLang="en-US" sz="1500" dirty="0">
+              <a:solidFill>
+                <a:schemeClr val="tx1">
+                  <a:lumMod val="75000"/>
+                  <a:lumOff val="25000"/>
+                </a:schemeClr>
+              </a:solidFill>
+              <a:uFillTx/>
+              <a:sym typeface="+mn-ea"/>
+            </a:endParaRPr>
           </a:p>
           <a:p>
             <a:r>
@@ -18696,6 +19376,16 @@
               </a:rPr>
               <a:t>、記憶體、流量、錯誤率等。</a:t>
             </a:r>
+            <a:endParaRPr lang="zh-HK" altLang="en-US" sz="1500" dirty="0">
+              <a:solidFill>
+                <a:schemeClr val="tx1">
+                  <a:lumMod val="75000"/>
+                  <a:lumOff val="25000"/>
+                </a:schemeClr>
+              </a:solidFill>
+              <a:uFillTx/>
+              <a:sym typeface="+mn-ea"/>
+            </a:endParaRPr>
           </a:p>
           <a:p>
             <a:r>
@@ -18811,6 +19501,16 @@
               </a:rPr>
               <a:t>代表工具：</a:t>
             </a:r>
+            <a:endParaRPr lang="zh-HK" altLang="en-US" sz="1500" dirty="0">
+              <a:solidFill>
+                <a:schemeClr val="tx1">
+                  <a:lumMod val="75000"/>
+                  <a:lumOff val="25000"/>
+                </a:schemeClr>
+              </a:solidFill>
+              <a:uFillTx/>
+              <a:sym typeface="+mn-ea"/>
+            </a:endParaRPr>
           </a:p>
           <a:p>
             <a:r>
@@ -18904,6 +19604,16 @@
               </a:rPr>
               <a:t>Datadog</a:t>
             </a:r>
+            <a:endParaRPr lang="en-US" altLang="zh-HK" sz="1500" dirty="0">
+              <a:solidFill>
+                <a:schemeClr val="tx1">
+                  <a:lumMod val="75000"/>
+                  <a:lumOff val="25000"/>
+                </a:schemeClr>
+              </a:solidFill>
+              <a:uFillTx/>
+              <a:sym typeface="+mn-ea"/>
+            </a:endParaRPr>
           </a:p>
         </p:txBody>
       </p:sp>
@@ -18983,6 +19693,12 @@
               </a:rPr>
               <a:t>四大領域</a:t>
             </a:r>
+            <a:endParaRPr lang="zh-TW" altLang="en-US" sz="2400" dirty="0">
+              <a:solidFill>
+                <a:schemeClr val="accent1"/>
+              </a:solidFill>
+              <a:uFillTx/>
+            </a:endParaRPr>
           </a:p>
         </p:txBody>
       </p:sp>
@@ -19034,6 +19750,16 @@
               </a:rPr>
               <a:t>的出發點就是以更快速解決客戶問題</a:t>
             </a:r>
+            <a:endParaRPr lang="zh-TW" altLang="en-US" sz="3200" dirty="0">
+              <a:solidFill>
+                <a:schemeClr val="tx1">
+                  <a:lumMod val="75000"/>
+                  <a:lumOff val="25000"/>
+                </a:schemeClr>
+              </a:solidFill>
+              <a:uFillTx/>
+              <a:sym typeface="+mn-ea"/>
+            </a:endParaRPr>
           </a:p>
           <a:p>
             <a:r>
@@ -19049,6 +19775,16 @@
               </a:rPr>
               <a:t>目的就是合作，自動化</a:t>
             </a:r>
+            <a:endParaRPr lang="zh-TW" altLang="en-US" sz="3200" dirty="0">
+              <a:solidFill>
+                <a:schemeClr val="tx1">
+                  <a:lumMod val="75000"/>
+                  <a:lumOff val="25000"/>
+                </a:schemeClr>
+              </a:solidFill>
+              <a:uFillTx/>
+              <a:sym typeface="+mn-ea"/>
+            </a:endParaRPr>
           </a:p>
         </p:txBody>
       </p:sp>
@@ -19125,10 +19861,6 @@
               </a:rPr>
               <a:t>(2)</a:t>
             </a:r>
-            <a:r>
-              <a:rPr lang="en-US" altLang="zh-TW" dirty="0" smtClean="0"/>
-              <a:t/>
-            </a:r>
             <a:br>
               <a:rPr lang="en-US" altLang="zh-TW" dirty="0" smtClean="0"/>
             </a:br>
@@ -19136,6 +19868,7 @@
               <a:rPr sz="2800"/>
               <a:t>Dockerfile 指令概述</a:t>
             </a:r>
+            <a:endParaRPr sz="2800"/>
           </a:p>
         </p:txBody>
       </p:sp>
@@ -19279,6 +20012,7 @@
               <a:rPr sz="2800"/>
               <a:t>Dockerfile 中的 FROM 指令</a:t>
             </a:r>
+            <a:endParaRPr sz="2800"/>
           </a:p>
         </p:txBody>
       </p:sp>
@@ -19408,6 +20142,7 @@
               <a:rPr sz="2800"/>
               <a:t>WORKDIR 指令的使用</a:t>
             </a:r>
+            <a:endParaRPr sz="2800"/>
           </a:p>
         </p:txBody>
       </p:sp>
@@ -19851,8 +20586,6 @@
       </a:bgFillStyleLst>
     </a:fmtScheme>
   </a:themeElements>
-  <a:objectDefaults/>
-  <a:extraClrSchemeLst/>
   <a:extLst>
     <a:ext uri="{05A4C25C-085E-4340-85A3-A5531E510DB2}">
       <thm15:themeFamily xmlns:thm15="http://schemas.microsoft.com/office/thememl/2012/main" name="Office Theme" id="{62F939B6-93AF-4DB8-9C6B-D6C7DFDC589F}" vid="{4A3C46E8-61CC-4603-A589-7422A47A8E4A}"/>

--- a/單元3.Dockerfile 解析.pptx
+++ b/單元3.Dockerfile 解析.pptx
@@ -6921,21 +6921,33 @@
               <a:rPr dirty="0"/>
               <a:t> </a:t>
             </a:r>
+            <a:endParaRPr dirty="0"/>
+          </a:p>
+          <a:p>
+            <a:pPr algn="l"/>
             <a:r>
               <a:rPr dirty="0" err="1"/>
               <a:t>docker</a:t>
             </a:r>
             <a:r>
               <a:rPr dirty="0"/>
-              <a:t> build -t </a:t>
+              <a:t> build -t</a:t>
+            </a:r>
+            <a:r>
+              <a:rPr lang="en-US" dirty="0"/>
+              <a:t>=</a:t>
             </a:r>
             <a:r>
               <a:rPr dirty="0" err="1"/>
-              <a:t>myimage：latest</a:t>
+              <a:t>myimage</a:t>
+            </a:r>
+            <a:r>
+              <a:rPr lang="en-US" dirty="0" err="1"/>
+              <a:t>:v1.0.0</a:t>
             </a:r>
             <a:r>
               <a:rPr dirty="0"/>
-              <a:t> .。</a:t>
+              <a:t> .</a:t>
             </a:r>
             <a:endParaRPr dirty="0"/>
           </a:p>
@@ -7514,6 +7526,77 @@
           <a:p>
             <a:pPr algn="l"/>
             <a:r>
+              <a:rPr>
+                <a:sym typeface="+mn-ea"/>
+              </a:rPr>
+              <a:t>執行 </a:t>
+            </a:r>
+            <a:r>
+              <a:rPr>
+                <a:solidFill>
+                  <a:schemeClr val="accent5"/>
+                </a:solidFill>
+                <a:uFillTx/>
+                <a:sym typeface="+mn-ea"/>
+              </a:rPr>
+              <a:t>docker push </a:t>
+            </a:r>
+            <a:r>
+              <a:rPr lang="en-US">
+                <a:solidFill>
+                  <a:schemeClr val="accent5"/>
+                </a:solidFill>
+                <a:uFillTx/>
+                <a:sym typeface="+mn-ea"/>
+              </a:rPr>
+              <a:t>vsn80395/</a:t>
+            </a:r>
+            <a:r>
+              <a:rPr>
+                <a:solidFill>
+                  <a:schemeClr val="accent5"/>
+                </a:solidFill>
+                <a:uFillTx/>
+                <a:sym typeface="+mn-ea"/>
+              </a:rPr>
+              <a:t>myimage</a:t>
+            </a:r>
+            <a:r>
+              <a:rPr lang="en-US">
+                <a:solidFill>
+                  <a:schemeClr val="accent5"/>
+                </a:solidFill>
+                <a:uFillTx/>
+                <a:sym typeface="+mn-ea"/>
+              </a:rPr>
+              <a:t>:</a:t>
+            </a:r>
+            <a:r>
+              <a:rPr>
+                <a:solidFill>
+                  <a:schemeClr val="accent5"/>
+                </a:solidFill>
+                <a:uFillTx/>
+                <a:sym typeface="+mn-ea"/>
+              </a:rPr>
+              <a:t>latest</a:t>
+            </a:r>
+            <a:r>
+              <a:rPr>
+                <a:sym typeface="+mn-ea"/>
+              </a:rPr>
+              <a:t> 將本地最新的映像推送到 Docker Hub。</a:t>
+            </a:r>
+            <a:endParaRPr>
+              <a:sym typeface="+mn-ea"/>
+            </a:endParaRPr>
+          </a:p>
+          <a:p>
+            <a:pPr algn="l"/>
+          </a:p>
+          <a:p>
+            <a:pPr algn="l"/>
+            <a:r>
               <a:t>在推送映像之前，必須先使用 docker login 登入相關的註冊表。</a:t>
             </a:r>
           </a:p>
@@ -9102,7 +9185,7 @@
         </p:nvSpPr>
         <p:spPr>
           <a:xfrm>
-            <a:off x="1065319" y="2735665"/>
+            <a:off x="1065319" y="2867745"/>
             <a:ext cx="6844684" cy="2308324"/>
           </a:xfrm>
           <a:prstGeom prst="rect">
@@ -9908,7 +9991,7 @@
         </p:spPr>
         <p:txBody>
           <a:bodyPr>
-            <a:normAutofit lnSpcReduction="20000"/>
+            <a:normAutofit fontScale="90000" lnSpcReduction="20000"/>
           </a:bodyPr>
           <a:lstStyle/>
           <a:p>
@@ -10147,6 +10230,42 @@
               <a:rPr lang="zh-TW" altLang="en-US" dirty="0" smtClean="0"/>
               <a:t>資料</a:t>
             </a:r>
+            <a:endParaRPr lang="zh-TW" altLang="en-US" dirty="0" smtClean="0"/>
+          </a:p>
+          <a:p>
+            <a:pPr marL="0" indent="0" algn="l">
+              <a:buNone/>
+            </a:pPr>
+            <a:r>
+              <a:rPr lang="en-US" dirty="0"/>
+              <a:t>     docker run -d -p=8086:</a:t>
+            </a:r>
+            <a:r>
+              <a:rPr lang="zh-TW" altLang="en-US" dirty="0"/>
+              <a:t>程式內的</a:t>
+            </a:r>
+            <a:r>
+              <a:rPr lang="en-US" altLang="zh-TW" dirty="0"/>
+              <a:t>port</a:t>
+            </a:r>
+            <a:r>
+              <a:rPr lang="zh-TW" altLang="en-US" dirty="0"/>
+              <a:t>號</a:t>
+            </a:r>
+            <a:r>
+              <a:rPr lang="en-US" altLang="zh-TW" dirty="0"/>
+              <a:t> --name=</a:t>
+            </a:r>
+            <a:r>
+              <a:rPr lang="en-US" altLang="zh-TW" dirty="0">
+                <a:sym typeface="+mn-ea"/>
+              </a:rPr>
+              <a:t>mypysite</a:t>
+            </a:r>
+            <a:r>
+              <a:rPr lang="en-US" altLang="zh-TW" dirty="0"/>
+              <a:t>name mypysite</a:t>
+            </a:r>
             <a:endParaRPr lang="en-US" dirty="0"/>
           </a:p>
           <a:p>
@@ -10207,33 +10326,17 @@
             </a:pPr>
             <a:r>
               <a:rPr lang="en-US" dirty="0"/>
-              <a:t>	</a:t>
-            </a:r>
-            <a:r>
-              <a:rPr lang="en-US" dirty="0" err="1"/>
-              <a:t>sudo</a:t>
-            </a:r>
+              <a:t>	apt update</a:t>
+            </a:r>
+            <a:endParaRPr lang="en-US" dirty="0"/>
+          </a:p>
+          <a:p>
+            <a:pPr marL="0" indent="0" algn="l">
+              <a:buNone/>
+            </a:pPr>
             <a:r>
               <a:rPr lang="en-US" dirty="0"/>
-              <a:t> apt update</a:t>
-            </a:r>
-            <a:endParaRPr lang="en-US" dirty="0"/>
-          </a:p>
-          <a:p>
-            <a:pPr marL="0" indent="0" algn="l">
-              <a:buNone/>
-            </a:pPr>
-            <a:r>
-              <a:rPr lang="en-US" dirty="0"/>
-              <a:t>	</a:t>
-            </a:r>
-            <a:r>
-              <a:rPr lang="en-US" dirty="0" err="1"/>
-              <a:t>sudo</a:t>
-            </a:r>
-            <a:r>
-              <a:rPr lang="en-US" dirty="0"/>
-              <a:t> apt install -y </a:t>
+              <a:t>	apt install -y </a:t>
             </a:r>
             <a:r>
               <a:rPr lang="en-US" dirty="0" err="1"/>
@@ -10409,13 +10512,13 @@
               <a:rPr lang="en-US" sz="1800" dirty="0">
                 <a:sym typeface="+mn-ea"/>
               </a:rPr>
-              <a:t>	</a:t>
+              <a:t>	p</a:t>
             </a:r>
             <a:r>
               <a:rPr sz="1800" dirty="0">
                 <a:sym typeface="+mn-ea"/>
               </a:rPr>
-              <a:t>Ping </a:t>
+              <a:t>ing </a:t>
             </a:r>
             <a:r>
               <a:rPr sz="1800" dirty="0" err="1">
@@ -19034,7 +19137,9 @@
         </p:nvSpPr>
         <p:spPr/>
         <p:txBody>
-          <a:bodyPr/>
+          <a:bodyPr>
+            <a:normAutofit fontScale="90000" lnSpcReduction="10000"/>
+          </a:bodyPr>
           <a:lstStyle/>
           <a:p>
             <a:r>
@@ -19088,8 +19193,12 @@
           </a:p>
           <a:p>
             <a:r>
+              <a:rPr lang="en-US" altLang="zh-HK" dirty="0"/>
+              <a:t>FROM </a:t>
+            </a:r>
+            <a:r>
               <a:rPr lang="zh-TW" altLang="en-US" dirty="0"/>
-              <a:t>FROM python:3.9-slim</a:t>
+              <a:t>python:3.9-slim</a:t>
             </a:r>
             <a:endParaRPr lang="zh-TW" altLang="en-US" dirty="0"/>
           </a:p>
@@ -19119,12 +19228,46 @@
           <a:p>
             <a:r>
               <a:rPr lang="zh-TW" altLang="en-US" dirty="0"/>
-              <a:t>CMD ["python", "app.py"]</a:t>
+              <a:t>CMD ["python", "</a:t>
+            </a:r>
+            <a:r>
+              <a:rPr lang="en-US" altLang="zh-TW" dirty="0"/>
+              <a:t>main</a:t>
+            </a:r>
+            <a:r>
+              <a:rPr lang="zh-TW" altLang="en-US" dirty="0"/>
+              <a:t>.py"]</a:t>
             </a:r>
             <a:endParaRPr lang="zh-TW" altLang="en-US" dirty="0"/>
           </a:p>
           <a:p>
             <a:endParaRPr lang="zh-TW" altLang="en-US" dirty="0"/>
+          </a:p>
+          <a:p>
+            <a:r>
+              <a:rPr lang="zh-TW" altLang="en-US" dirty="0">
+                <a:sym typeface="+mn-ea"/>
+              </a:rPr>
+              <a:t>python:3.9-slim</a:t>
+            </a:r>
+            <a:endParaRPr lang="zh-TW" altLang="en-US" dirty="0"/>
+          </a:p>
+          <a:p>
+            <a:r>
+              <a:rPr lang="en-US" altLang="zh-TW" dirty="0"/>
+              <a:t>FROM CENTOS</a:t>
+            </a:r>
+            <a:endParaRPr lang="en-US" altLang="zh-TW" dirty="0"/>
+          </a:p>
+          <a:p>
+            <a:r>
+              <a:rPr lang="en-US" altLang="zh-TW" dirty="0"/>
+              <a:t>RUN  </a:t>
+            </a:r>
+            <a:endParaRPr lang="en-US" altLang="zh-TW" dirty="0"/>
+          </a:p>
+          <a:p>
+            <a:endParaRPr lang="en-US" altLang="zh-TW" dirty="0"/>
           </a:p>
         </p:txBody>
       </p:sp>

--- a/單元3.Dockerfile 解析.pptx
+++ b/單元3.Dockerfile 解析.pptx
@@ -11782,16 +11782,102 @@
             <p:ph idx="1"/>
           </p:nvPr>
         </p:nvSpPr>
-        <p:spPr/>
+        <p:spPr>
+          <a:xfrm>
+            <a:off x="517525" y="1135380"/>
+            <a:ext cx="9367520" cy="4906010"/>
+          </a:xfrm>
+        </p:spPr>
         <p:txBody>
-          <a:bodyPr/>
+          <a:bodyPr>
+            <a:normAutofit fontScale="80000"/>
+          </a:bodyPr>
           <a:lstStyle/>
           <a:p>
             <a:r>
               <a:rPr lang="zh-TW" altLang="en-US" dirty="0" smtClean="0"/>
               <a:t>學員提問</a:t>
             </a:r>
-            <a:endParaRPr lang="en-US" altLang="zh-TW" dirty="0" smtClean="0"/>
+            <a:endParaRPr lang="zh-TW" altLang="en-US" dirty="0" smtClean="0"/>
+          </a:p>
+          <a:p>
+            <a:endParaRPr lang="zh-TW" altLang="en-US" dirty="0" smtClean="0"/>
+          </a:p>
+          <a:p>
+            <a:r>
+              <a:rPr lang="en-US" altLang="zh-HK" dirty="0" smtClean="0"/>
+              <a:t>docker run -d -p=8090:8090 -name web1name --net=pytosql web1:1.0.0</a:t>
+            </a:r>
+            <a:endParaRPr lang="en-US" altLang="zh-HK" dirty="0" smtClean="0"/>
+          </a:p>
+          <a:p>
+            <a:endParaRPr lang="en-US" altLang="zh-HK" dirty="0" smtClean="0"/>
+          </a:p>
+          <a:p>
+            <a:endParaRPr lang="en-US" altLang="zh-HK" dirty="0" smtClean="0"/>
+          </a:p>
+          <a:p>
+            <a:r>
+              <a:rPr lang="en-US" altLang="zh-HK" dirty="0" smtClean="0"/>
+              <a:t>docker run -d --name mysql-container </a:t>
+            </a:r>
+            <a:endParaRPr lang="en-US" altLang="zh-HK" dirty="0" smtClean="0"/>
+          </a:p>
+          <a:p>
+            <a:r>
+              <a:rPr lang="en-US" altLang="zh-HK" dirty="0" smtClean="0"/>
+              <a:t>-e MYSQL_ROOT_PASSWORD=root123 </a:t>
+            </a:r>
+            <a:endParaRPr lang="en-US" altLang="zh-HK" dirty="0" smtClean="0"/>
+          </a:p>
+          <a:p>
+            <a:r>
+              <a:rPr lang="en-US" altLang="zh-HK" dirty="0" smtClean="0"/>
+              <a:t>-e MYSQL_DATABASE=testdb </a:t>
+            </a:r>
+            <a:endParaRPr lang="en-US" altLang="zh-HK" dirty="0" smtClean="0"/>
+          </a:p>
+          <a:p>
+            <a:r>
+              <a:rPr lang="en-US" altLang="zh-HK" dirty="0" smtClean="0"/>
+              <a:t>-e MYSQL_USER=testuser </a:t>
+            </a:r>
+            <a:endParaRPr lang="en-US" altLang="zh-HK" dirty="0" smtClean="0"/>
+          </a:p>
+          <a:p>
+            <a:r>
+              <a:rPr lang="en-US" altLang="zh-HK" dirty="0" smtClean="0"/>
+              <a:t>-e MYSQL_PASSWORD=testpass </a:t>
+            </a:r>
+            <a:endParaRPr lang="en-US" altLang="zh-HK" dirty="0" smtClean="0"/>
+          </a:p>
+          <a:p>
+            <a:r>
+              <a:rPr lang="en-US" altLang="zh-HK" dirty="0" smtClean="0"/>
+              <a:t>-p 3307:3306 </a:t>
+            </a:r>
+            <a:endParaRPr lang="en-US" altLang="zh-HK" dirty="0" smtClean="0"/>
+          </a:p>
+          <a:p>
+            <a:r>
+              <a:rPr lang="en-US" altLang="zh-HK" dirty="0" smtClean="0"/>
+              <a:t>-v "D:\docker\mysql:/var/lib/mysql" </a:t>
+            </a:r>
+            <a:endParaRPr lang="en-US" altLang="zh-HK" dirty="0" smtClean="0"/>
+          </a:p>
+          <a:p>
+            <a:r>
+              <a:rPr lang="en-US" altLang="zh-HK" dirty="0" smtClean="0"/>
+              <a:t>--net=pytosql</a:t>
+            </a:r>
+            <a:endParaRPr lang="en-US" altLang="zh-HK" dirty="0" smtClean="0"/>
+          </a:p>
+          <a:p>
+            <a:r>
+              <a:rPr lang="en-US" altLang="zh-HK" dirty="0" smtClean="0"/>
+              <a:t>mysql:8.0</a:t>
+            </a:r>
+            <a:endParaRPr lang="en-US" altLang="zh-HK" dirty="0" smtClean="0"/>
           </a:p>
           <a:p>
             <a:endParaRPr lang="zh-TW" altLang="en-US" dirty="0"/>

--- a/單元3.Dockerfile 解析.pptx
+++ b/單元3.Dockerfile 解析.pptx
@@ -7606,6 +7606,42 @@
               <a:t>透過此指令，可以方便地分享映像，支持團隊協作和部署。</a:t>
             </a:r>
           </a:p>
+          <a:p>
+            <a:pPr algn="l"/>
+            <a:r>
+              <a:rPr lang="zh-TW">
+                <a:solidFill>
+                  <a:schemeClr val="accent5"/>
+                </a:solidFill>
+                <a:uFillTx/>
+              </a:rPr>
+              <a:t>重點</a:t>
+            </a:r>
+            <a:r>
+              <a:rPr lang="en-US">
+                <a:solidFill>
+                  <a:schemeClr val="accent5"/>
+                </a:solidFill>
+                <a:uFillTx/>
+              </a:rPr>
+              <a:t> </a:t>
+            </a:r>
+            <a:r>
+              <a:rPr lang="zh-TW">
+                <a:solidFill>
+                  <a:schemeClr val="accent5"/>
+                </a:solidFill>
+                <a:uFillTx/>
+              </a:rPr>
+              <a:t>帳號要小寫</a:t>
+            </a:r>
+            <a:endParaRPr lang="zh-TW">
+              <a:solidFill>
+                <a:schemeClr val="accent5"/>
+              </a:solidFill>
+              <a:uFillTx/>
+            </a:endParaRPr>
+          </a:p>
         </p:txBody>
       </p:sp>
     </p:spTree>
@@ -11496,6 +11532,12 @@
               </a:rPr>
               <a:t>修改程式碼內的db位置</a:t>
             </a:r>
+            <a:r>
+              <a:rPr lang="en-US" sz="1800">
+                <a:sym typeface="+mn-ea"/>
+              </a:rPr>
+              <a:t> </a:t>
+            </a:r>
             <a:endParaRPr sz="1800">
               <a:sym typeface="+mn-ea"/>
             </a:endParaRPr>
@@ -11524,6 +11566,114 @@
             <a:pPr marL="0" indent="0" algn="l">
               <a:buNone/>
             </a:pPr>
+            <a:r>
+              <a:rPr sz="1800">
+                <a:sym typeface="+mn-ea"/>
+              </a:rPr>
+              <a:t> </a:t>
+            </a:r>
+            <a:r>
+              <a:rPr lang="en-US" sz="1800">
+                <a:sym typeface="+mn-ea"/>
+              </a:rPr>
+              <a:t>     </a:t>
+            </a:r>
+            <a:r>
+              <a:rPr lang="en-US">
+                <a:sym typeface="+mn-ea"/>
+              </a:rPr>
+              <a:t>(</a:t>
+            </a:r>
+            <a:r>
+              <a:rPr lang="zh-TW" altLang="en-US">
+                <a:sym typeface="+mn-ea"/>
+              </a:rPr>
+              <a:t>此時都在同一個</a:t>
+            </a:r>
+            <a:r>
+              <a:rPr lang="en-US" altLang="zh-TW">
+                <a:sym typeface="+mn-ea"/>
+              </a:rPr>
+              <a:t>--net</a:t>
+            </a:r>
+            <a:r>
+              <a:rPr lang="zh-TW" altLang="en-US">
+                <a:sym typeface="+mn-ea"/>
+              </a:rPr>
+              <a:t>池子</a:t>
+            </a:r>
+            <a:r>
+              <a:rPr lang="en-US" altLang="zh-TW">
+                <a:sym typeface="+mn-ea"/>
+              </a:rPr>
+              <a:t> </a:t>
+            </a:r>
+            <a:r>
+              <a:rPr lang="zh-TW" altLang="en-US">
+                <a:sym typeface="+mn-ea"/>
+              </a:rPr>
+              <a:t>所以</a:t>
+            </a:r>
+            <a:r>
+              <a:rPr lang="en-US" altLang="zh-TW">
+                <a:sym typeface="+mn-ea"/>
+              </a:rPr>
+              <a:t>py</a:t>
+            </a:r>
+            <a:r>
+              <a:rPr lang="zh-TW" altLang="en-US">
+                <a:sym typeface="+mn-ea"/>
+              </a:rPr>
+              <a:t>程式內部</a:t>
+            </a:r>
+            <a:r>
+              <a:rPr lang="en-US" altLang="zh-TW">
+                <a:sym typeface="+mn-ea"/>
+              </a:rPr>
+              <a:t>mysql</a:t>
+            </a:r>
+            <a:r>
+              <a:rPr lang="zh-TW" altLang="en-US">
+                <a:sym typeface="+mn-ea"/>
+              </a:rPr>
+              <a:t>的</a:t>
+            </a:r>
+            <a:r>
+              <a:rPr lang="en-US" altLang="zh-TW">
+                <a:sym typeface="+mn-ea"/>
+              </a:rPr>
+              <a:t>port</a:t>
+            </a:r>
+            <a:r>
+              <a:rPr lang="zh-TW" altLang="en-US">
+                <a:sym typeface="+mn-ea"/>
+              </a:rPr>
+              <a:t>要改成</a:t>
+            </a:r>
+            <a:r>
+              <a:rPr lang="en-US" altLang="zh-TW">
+                <a:sym typeface="+mn-ea"/>
+              </a:rPr>
+              <a:t>3306</a:t>
+            </a:r>
+            <a:r>
+              <a:rPr lang="zh-TW" altLang="en-US">
+                <a:sym typeface="+mn-ea"/>
+              </a:rPr>
+              <a:t>，不是</a:t>
+            </a:r>
+            <a:r>
+              <a:rPr lang="en-US" altLang="zh-TW">
+                <a:sym typeface="+mn-ea"/>
+              </a:rPr>
+              <a:t>3307</a:t>
+            </a:r>
+            <a:r>
+              <a:rPr lang="en-US">
+                <a:sym typeface="+mn-ea"/>
+              </a:rPr>
+              <a:t>)</a:t>
+            </a:r>
             <a:endParaRPr sz="1800">
               <a:sym typeface="+mn-ea"/>
             </a:endParaRPr>
@@ -13098,7 +13248,11 @@
             <a:endParaRPr lang="en-US" altLang="zh-TW" dirty="0" smtClean="0"/>
           </a:p>
           <a:p>
-            <a:endParaRPr lang="zh-TW" altLang="en-US" dirty="0"/>
+            <a:r>
+              <a:rPr lang="en-US" altLang="zh-TW" dirty="0"/>
+              <a:t>docker exec -it xxx sh</a:t>
+            </a:r>
+            <a:endParaRPr lang="en-US" altLang="zh-TW" dirty="0"/>
           </a:p>
         </p:txBody>
       </p:sp>
